--- a/Task_3_1.pptx
+++ b/Task_3_1.pptx
@@ -4099,7 +4099,7 @@
                 <a:latin typeface="Calibri" panose="020F0502020204030204" pitchFamily="34" charset="0"/>
                 <a:cs typeface="Arial" panose="020B0604020202020204" pitchFamily="34" charset="0"/>
               </a:rPr>
-              <a:t>Plot showing the effect the number of neighbours has on the precision score, the other parameters of KNN were fixed in this experiment</a:t>
+              <a:t>Plot showing the effect the number of neighbours has on the F1-score, the other parameters of KNN were fixed in this experiment</a:t>
             </a:r>
             <a:endParaRPr lang="en-GB" sz="1800" kern="100" dirty="0">
               <a:latin typeface="Calibri" panose="020F0502020204030204" pitchFamily="34" charset="0"/>
@@ -4132,7 +4132,7 @@
                 <a:ea typeface="Calibri" panose="020F0502020204030204" pitchFamily="34" charset="0"/>
                 <a:cs typeface="Arial" panose="020B0604020202020204" pitchFamily="34" charset="0"/>
               </a:rPr>
-              <a:t>1, meaning no mistakes, but the worst test-set score as the model doesn’t generalizes (=overfitting)</a:t>
+              <a:t>1, meaning no mistakes, but the worst test-set score as the model doesn’t generalize (=overfitting)</a:t>
             </a:r>
             <a:endParaRPr lang="en-GB" sz="1800" kern="100" dirty="0">
               <a:latin typeface="Calibri" panose="020F0502020204030204" pitchFamily="34" charset="0"/>
@@ -4158,7 +4158,7 @@
                 <a:ea typeface="Calibri" panose="020F0502020204030204" pitchFamily="34" charset="0"/>
                 <a:cs typeface="Arial" panose="020B0604020202020204" pitchFamily="34" charset="0"/>
               </a:rPr>
-              <a:t>For growing k up to about 12 , we observe a decrease of train score and increase of test-score</a:t>
+              <a:t>For growing k up to about 12, we observe a decrease of train-score and increase of test-score</a:t>
             </a:r>
             <a:endParaRPr lang="en-GB" sz="1800" kern="100" dirty="0">
               <a:latin typeface="Calibri" panose="020F0502020204030204" pitchFamily="34" charset="0"/>
@@ -4183,7 +4183,7 @@
                 <a:ea typeface="Calibri" panose="020F0502020204030204" pitchFamily="34" charset="0"/>
                 <a:cs typeface="Arial" panose="020B0604020202020204" pitchFamily="34" charset="0"/>
               </a:rPr>
-              <a:t>For larger k, both the train- and test-score go down, (the test-set only slightly) due to the fact that the model generalizes to strong and can’t model smaller differences (=underfitting)</a:t>
+              <a:t>For larger k, both the train- and test-score go down, (the test-set only slightly) due to the fact that the model generalizes to strongly and can’t model smaller differences (=underfitting)</a:t>
             </a:r>
           </a:p>
           <a:p>
@@ -4337,7 +4337,7 @@
         </p:blipFill>
         <p:spPr>
           <a:xfrm>
-            <a:off x="838200" y="1825624"/>
+            <a:off x="740089" y="1825625"/>
             <a:ext cx="5181600" cy="3643635"/>
           </a:xfrm>
           <a:prstGeom prst="rect">
@@ -4982,25 +4982,29 @@
         </p:nvSpPr>
         <p:spPr>
           <a:xfrm>
-            <a:off x="838200" y="2495579"/>
-            <a:ext cx="5257800" cy="3997296"/>
+            <a:off x="294335" y="2130607"/>
+            <a:ext cx="6035825" cy="3997296"/>
           </a:xfrm>
         </p:spPr>
         <p:txBody>
           <a:bodyPr>
-            <a:normAutofit fontScale="85000" lnSpcReduction="20000"/>
+            <a:normAutofit fontScale="92500" lnSpcReduction="10000"/>
           </a:bodyPr>
           <a:lstStyle/>
           <a:p>
             <a:r>
+              <a:rPr lang="en-GB" sz="2600" dirty="0"/>
+              <a:t>First a randomized search was performed to narrow down parameter options for grid search </a:t>
+            </a:r>
+          </a:p>
+          <a:p>
+            <a:r>
+              <a:rPr lang="en-GB" sz="2600" dirty="0"/>
+              <a:t>Parameters for randomized search</a:t>
+            </a:r>
+            <a:r>
               <a:rPr lang="en-GB" dirty="0"/>
-              <a:t>First a randomized search was performed to narrow down parameter options for grid search </a:t>
-            </a:r>
-          </a:p>
-          <a:p>
-            <a:r>
-              <a:rPr lang="en-GB" dirty="0"/>
-              <a:t>Parameters for randomized search:</a:t>
+              <a:t>:</a:t>
             </a:r>
           </a:p>
           <a:p>
@@ -5126,8 +5130,8 @@
         </p:nvSpPr>
         <p:spPr>
           <a:xfrm>
-            <a:off x="6096000" y="2495579"/>
-            <a:ext cx="5257800" cy="3997296"/>
+            <a:off x="6569552" y="2130607"/>
+            <a:ext cx="4921604" cy="3997296"/>
           </a:xfrm>
           <a:prstGeom prst="rect">
             <a:avLst/>
@@ -5464,149 +5468,6 @@
           </a:p>
         </p:txBody>
       </p:sp>
-      <p:sp>
-        <p:nvSpPr>
-          <p:cNvPr id="8" name="Title 1">
-            <a:extLst>
-              <a:ext uri="{FF2B5EF4-FFF2-40B4-BE49-F238E27FC236}">
-                <a16:creationId xmlns:a16="http://schemas.microsoft.com/office/drawing/2014/main" id="{25C43D95-209B-F20D-4F1C-1089609B3D33}"/>
-              </a:ext>
-            </a:extLst>
-          </p:cNvPr>
-          <p:cNvSpPr txBox="1">
-            <a:spLocks/>
-          </p:cNvSpPr>
-          <p:nvPr/>
-        </p:nvSpPr>
-        <p:spPr>
-          <a:xfrm>
-            <a:off x="838200" y="1656710"/>
-            <a:ext cx="10515600" cy="753409"/>
-          </a:xfrm>
-          <a:prstGeom prst="rect">
-            <a:avLst/>
-          </a:prstGeom>
-        </p:spPr>
-        <p:txBody>
-          <a:bodyPr vert="horz" lIns="91440" tIns="45720" rIns="91440" bIns="45720" rtlCol="0" anchor="ctr">
-            <a:normAutofit/>
-          </a:bodyPr>
-          <a:lstStyle>
-            <a:lvl1pPr algn="l" defTabSz="914400" rtl="0" eaLnBrk="1" latinLnBrk="0" hangingPunct="1">
-              <a:lnSpc>
-                <a:spcPct val="90000"/>
-              </a:lnSpc>
-              <a:spcBef>
-                <a:spcPct val="0"/>
-              </a:spcBef>
-              <a:buNone/>
-              <a:defRPr sz="4400" kern="1200">
-                <a:solidFill>
-                  <a:schemeClr val="tx1"/>
-                </a:solidFill>
-                <a:latin typeface="+mj-lt"/>
-                <a:ea typeface="+mj-ea"/>
-                <a:cs typeface="+mj-cs"/>
-              </a:defRPr>
-            </a:lvl1pPr>
-          </a:lstStyle>
-          <a:p>
-            <a:r>
-              <a:rPr lang="en-GB" sz="2200" dirty="0">
-                <a:latin typeface="+mn-lt"/>
-                <a:ea typeface="+mn-ea"/>
-                <a:cs typeface="+mn-cs"/>
-              </a:rPr>
-              <a:t>Parameter search for “</a:t>
-            </a:r>
-            <a:r>
-              <a:rPr lang="en-GB" sz="2200" dirty="0" err="1">
-                <a:latin typeface="+mn-lt"/>
-                <a:ea typeface="+mn-ea"/>
-                <a:cs typeface="+mn-cs"/>
-              </a:rPr>
-              <a:t>n_estimators</a:t>
-            </a:r>
-            <a:r>
-              <a:rPr lang="en-GB" sz="2200" dirty="0">
-                <a:latin typeface="+mn-lt"/>
-                <a:ea typeface="+mn-ea"/>
-                <a:cs typeface="+mn-cs"/>
-              </a:rPr>
-              <a:t>”, “criterion”, “</a:t>
-            </a:r>
-            <a:r>
-              <a:rPr lang="en-GB" sz="2200" dirty="0" err="1">
-                <a:latin typeface="+mn-lt"/>
-                <a:ea typeface="+mn-ea"/>
-                <a:cs typeface="+mn-cs"/>
-              </a:rPr>
-              <a:t>max_features</a:t>
-            </a:r>
-            <a:r>
-              <a:rPr lang="en-GB" sz="2200" dirty="0">
-                <a:latin typeface="+mn-lt"/>
-                <a:ea typeface="+mn-ea"/>
-                <a:cs typeface="+mn-cs"/>
-              </a:rPr>
-              <a:t>”, “</a:t>
-            </a:r>
-            <a:r>
-              <a:rPr lang="en-GB" sz="2200" dirty="0" err="1">
-                <a:latin typeface="+mn-lt"/>
-                <a:ea typeface="+mn-ea"/>
-                <a:cs typeface="+mn-cs"/>
-              </a:rPr>
-              <a:t>max_depth</a:t>
-            </a:r>
-            <a:r>
-              <a:rPr lang="en-GB" sz="2200" dirty="0">
-                <a:latin typeface="+mn-lt"/>
-                <a:ea typeface="+mn-ea"/>
-                <a:cs typeface="+mn-cs"/>
-              </a:rPr>
-              <a:t>”, “</a:t>
-            </a:r>
-            <a:r>
-              <a:rPr lang="en-GB" sz="2200" dirty="0" err="1">
-                <a:latin typeface="+mn-lt"/>
-                <a:ea typeface="+mn-ea"/>
-                <a:cs typeface="+mn-cs"/>
-              </a:rPr>
-              <a:t>min_samples_split</a:t>
-            </a:r>
-            <a:r>
-              <a:rPr lang="en-GB" sz="2200" dirty="0">
-                <a:latin typeface="+mn-lt"/>
-                <a:ea typeface="+mn-ea"/>
-                <a:cs typeface="+mn-cs"/>
-              </a:rPr>
-              <a:t>”, “</a:t>
-            </a:r>
-            <a:r>
-              <a:rPr lang="en-GB" sz="2200" dirty="0" err="1">
-                <a:latin typeface="+mn-lt"/>
-                <a:ea typeface="+mn-ea"/>
-                <a:cs typeface="+mn-cs"/>
-              </a:rPr>
-              <a:t>min_samples_leaf</a:t>
-            </a:r>
-            <a:r>
-              <a:rPr lang="en-GB" sz="2200" dirty="0">
-                <a:latin typeface="+mn-lt"/>
-                <a:ea typeface="+mn-ea"/>
-                <a:cs typeface="+mn-cs"/>
-              </a:rPr>
-              <a:t>” and “bootstrap”</a:t>
-            </a:r>
-            <a:endParaRPr lang="de-DE" sz="2200" dirty="0">
-              <a:latin typeface="+mn-lt"/>
-              <a:ea typeface="+mn-ea"/>
-              <a:cs typeface="+mn-cs"/>
-            </a:endParaRPr>
-          </a:p>
-        </p:txBody>
-      </p:sp>
     </p:spTree>
     <p:extLst>
       <p:ext uri="{BB962C8B-B14F-4D97-AF65-F5344CB8AC3E}">
@@ -5881,7 +5742,7 @@
           <a:p>
             <a:r>
               <a:rPr lang="en-GB" sz="6000" dirty="0"/>
-              <a:t>our dataset is heavily unbalanced (many more fragments where no bird is present) -&gt; we used the „</a:t>
+              <a:t>Our dataset is heavily unbalanced (many more fragments where no bird is present) -&gt; we used the „</a:t>
             </a:r>
             <a:r>
               <a:rPr lang="en-GB" sz="6000" dirty="0" err="1"/>
@@ -5900,7 +5761,7 @@
           <a:p>
             <a:r>
               <a:rPr lang="en-GB" sz="6000" dirty="0"/>
-              <a:t>ensures that the </a:t>
+              <a:t>Ensures that the </a:t>
             </a:r>
             <a:r>
               <a:rPr lang="en-GB" sz="6000" b="0" i="0" dirty="0">
@@ -5922,7 +5783,7 @@
                 <a:effectLst/>
                 <a:latin typeface="-apple-system"/>
               </a:rPr>
-              <a:t>In the scope of this project the assumption is that we only deal with the known 6 bird-species and no “new” species -&gt; so it makes sense to have every species in the train- and test-set</a:t>
+              <a:t>In the scope of this project the assumption is that we only deal with the known 6 bird species and no “new” species -&gt; it makes sense to have every species in the train- and test-set</a:t>
             </a:r>
           </a:p>
           <a:p>
@@ -5933,7 +5794,7 @@
                 </a:solidFill>
                 <a:latin typeface="-apple-system"/>
               </a:rPr>
-              <a:t>If our goal was to also specify other species it would maybe make sense to exclude one species from the train-set, to better generalize to unseen data</a:t>
+              <a:t>If our goal was to also specify other species it might make sense to exclude one species from the train-set, to better generalize to unseen data</a:t>
             </a:r>
           </a:p>
           <a:p>
@@ -6019,7 +5880,7 @@
             </a:r>
             <a:r>
               <a:rPr lang="en-GB" dirty="0" err="1"/>
-              <a:t>preprocessing</a:t>
+              <a:t>Preprocessing</a:t>
             </a:r>
             <a:r>
               <a:rPr lang="en-GB" dirty="0"/>
@@ -6090,16 +5951,29 @@
           <a:p>
             <a:r>
               <a:rPr lang="en-GB" sz="2000" dirty="0"/>
-              <a:t>For this scoring function we used mutual information, which describes the amount of information one gets about on variable (in our case the labels) when observing the other (in our case features)</a:t>
-            </a:r>
-          </a:p>
-          <a:p>
-            <a:endParaRPr lang="en-GB" sz="2000" dirty="0"/>
+              <a:t>For this scoring function we used mutual information, which describes the amount of information one gets about one variable (in our case the labels) when observing the other (in our case features)</a:t>
+            </a:r>
           </a:p>
           <a:p>
             <a:r>
               <a:rPr lang="en-GB" sz="2000" dirty="0"/>
-              <a:t>We normalized all features to mean zero, standard deviation one as for some algorithms (e.g. KNN) we need normalized input</a:t>
+              <a:t>We used the </a:t>
+            </a:r>
+            <a:r>
+              <a:rPr lang="en-GB" sz="2000" dirty="0" err="1"/>
+              <a:t>Sklearn</a:t>
+            </a:r>
+            <a:r>
+              <a:rPr lang="en-GB" sz="2000" dirty="0"/>
+              <a:t> </a:t>
+            </a:r>
+            <a:r>
+              <a:rPr lang="en-GB" sz="2000" dirty="0" err="1"/>
+              <a:t>StandardScaler</a:t>
+            </a:r>
+            <a:r>
+              <a:rPr lang="en-GB" sz="2000" dirty="0"/>
+              <a:t> to normalize all features to mean zero and variance one as for some algorithms (e.g. KNN) we need normalized input</a:t>
             </a:r>
           </a:p>
         </p:txBody>
@@ -6366,7 +6240,7 @@
           <a:p>
             <a:r>
               <a:rPr lang="en-GB" sz="2000" dirty="0"/>
-              <a:t>Excluding the described samples from above we reduced our initial 120.000 samples to 96.748, which is still enough for training and testing on our models</a:t>
+              <a:t>Excluding the described samples from above we reduced our initial 120.000 samples to 99.748, which is still enough for training and testing on our models</a:t>
             </a:r>
           </a:p>
         </p:txBody>
@@ -7177,9 +7051,9 @@
             </a:r>
           </a:p>
           <a:p>
-            <a:endParaRPr lang="de-DE" dirty="0"/>
-          </a:p>
-          <a:p>
+            <a:pPr marL="0" indent="0">
+              <a:buNone/>
+            </a:pPr>
             <a:endParaRPr lang="de-DE" dirty="0"/>
           </a:p>
           <a:p>
@@ -7276,13 +7150,13 @@
           <a:p>
             <a:r>
               <a:rPr lang="en-GB" sz="2400" dirty="0"/>
-              <a:t>our dataset is heavily unbalanced towards the class where no bird is present</a:t>
+              <a:t>Our dataset is heavily unbalanced towards the class where no bird is present</a:t>
             </a:r>
           </a:p>
           <a:p>
             <a:r>
               <a:rPr lang="en-GB" sz="2400" dirty="0"/>
-              <a:t>Therefore a simple classifier that just predicts class “0” would have a rather high value in terms of simple accuracy</a:t>
+              <a:t>Therefore a simple classifier that just predicts class “0” would have a rather high value in terms of simple accuracy (67.39%)</a:t>
             </a:r>
           </a:p>
           <a:p>
@@ -7603,7 +7477,7 @@
         <p:spPr>
           <a:xfrm>
             <a:off x="5372309" y="1630968"/>
-            <a:ext cx="2325028" cy="4801314"/>
+            <a:ext cx="2325028" cy="5078313"/>
           </a:xfrm>
           <a:prstGeom prst="rect">
             <a:avLst/>
@@ -7618,8 +7492,11 @@
           <a:p>
             <a:r>
               <a:rPr lang="en-GB" sz="1800" dirty="0"/>
-              <a:t>If we want to let our tree grow to a depth &gt; 10 wen can look into tuning other parameters</a:t>
-            </a:r>
+              <a:t>If we want to let our tree grow to a depth &gt; 10 we can look into tuning other parameters</a:t>
+            </a:r>
+          </a:p>
+          <a:p>
+            <a:endParaRPr lang="en-GB" sz="1800" dirty="0"/>
           </a:p>
           <a:p>
             <a:r>

--- a/Task_3_1.pptx
+++ b/Task_3_1.pptx
@@ -358,7 +358,7 @@
           <a:p>
             <a:fld id="{5FE1CFB4-4EC3-4B46-8D35-E8CFDF4A4890}" type="slidenum">
               <a:rPr lang="de-DE" smtClean="0"/>
-              <a:t>‹#›</a:t>
+              <a:t>‹Nr.›</a:t>
             </a:fld>
             <a:endParaRPr lang="de-DE"/>
           </a:p>
@@ -556,7 +556,7 @@
           <a:p>
             <a:fld id="{5FE1CFB4-4EC3-4B46-8D35-E8CFDF4A4890}" type="slidenum">
               <a:rPr lang="de-DE" smtClean="0"/>
-              <a:t>‹#›</a:t>
+              <a:t>‹Nr.›</a:t>
             </a:fld>
             <a:endParaRPr lang="de-DE"/>
           </a:p>
@@ -764,7 +764,7 @@
           <a:p>
             <a:fld id="{5FE1CFB4-4EC3-4B46-8D35-E8CFDF4A4890}" type="slidenum">
               <a:rPr lang="de-DE" smtClean="0"/>
-              <a:t>‹#›</a:t>
+              <a:t>‹Nr.›</a:t>
             </a:fld>
             <a:endParaRPr lang="de-DE"/>
           </a:p>
@@ -962,7 +962,7 @@
           <a:p>
             <a:fld id="{5FE1CFB4-4EC3-4B46-8D35-E8CFDF4A4890}" type="slidenum">
               <a:rPr lang="de-DE" smtClean="0"/>
-              <a:t>‹#›</a:t>
+              <a:t>‹Nr.›</a:t>
             </a:fld>
             <a:endParaRPr lang="de-DE"/>
           </a:p>
@@ -1237,7 +1237,7 @@
           <a:p>
             <a:fld id="{5FE1CFB4-4EC3-4B46-8D35-E8CFDF4A4890}" type="slidenum">
               <a:rPr lang="de-DE" smtClean="0"/>
-              <a:t>‹#›</a:t>
+              <a:t>‹Nr.›</a:t>
             </a:fld>
             <a:endParaRPr lang="de-DE"/>
           </a:p>
@@ -1502,7 +1502,7 @@
           <a:p>
             <a:fld id="{5FE1CFB4-4EC3-4B46-8D35-E8CFDF4A4890}" type="slidenum">
               <a:rPr lang="de-DE" smtClean="0"/>
-              <a:t>‹#›</a:t>
+              <a:t>‹Nr.›</a:t>
             </a:fld>
             <a:endParaRPr lang="de-DE"/>
           </a:p>
@@ -1914,7 +1914,7 @@
           <a:p>
             <a:fld id="{5FE1CFB4-4EC3-4B46-8D35-E8CFDF4A4890}" type="slidenum">
               <a:rPr lang="de-DE" smtClean="0"/>
-              <a:t>‹#›</a:t>
+              <a:t>‹Nr.›</a:t>
             </a:fld>
             <a:endParaRPr lang="de-DE"/>
           </a:p>
@@ -2055,7 +2055,7 @@
           <a:p>
             <a:fld id="{5FE1CFB4-4EC3-4B46-8D35-E8CFDF4A4890}" type="slidenum">
               <a:rPr lang="de-DE" smtClean="0"/>
-              <a:t>‹#›</a:t>
+              <a:t>‹Nr.›</a:t>
             </a:fld>
             <a:endParaRPr lang="de-DE"/>
           </a:p>
@@ -2168,7 +2168,7 @@
           <a:p>
             <a:fld id="{5FE1CFB4-4EC3-4B46-8D35-E8CFDF4A4890}" type="slidenum">
               <a:rPr lang="de-DE" smtClean="0"/>
-              <a:t>‹#›</a:t>
+              <a:t>‹Nr.›</a:t>
             </a:fld>
             <a:endParaRPr lang="de-DE"/>
           </a:p>
@@ -2479,7 +2479,7 @@
           <a:p>
             <a:fld id="{5FE1CFB4-4EC3-4B46-8D35-E8CFDF4A4890}" type="slidenum">
               <a:rPr lang="de-DE" smtClean="0"/>
-              <a:t>‹#›</a:t>
+              <a:t>‹Nr.›</a:t>
             </a:fld>
             <a:endParaRPr lang="de-DE"/>
           </a:p>
@@ -2767,7 +2767,7 @@
           <a:p>
             <a:fld id="{5FE1CFB4-4EC3-4B46-8D35-E8CFDF4A4890}" type="slidenum">
               <a:rPr lang="de-DE" smtClean="0"/>
-              <a:t>‹#›</a:t>
+              <a:t>‹Nr.›</a:t>
             </a:fld>
             <a:endParaRPr lang="de-DE"/>
           </a:p>
@@ -3044,7 +3044,7 @@
           <a:p>
             <a:fld id="{5FE1CFB4-4EC3-4B46-8D35-E8CFDF4A4890}" type="slidenum">
               <a:rPr lang="de-DE" smtClean="0"/>
-              <a:t>‹#›</a:t>
+              <a:t>‹Nr.›</a:t>
             </a:fld>
             <a:endParaRPr lang="de-DE"/>
           </a:p>
@@ -4077,10 +4077,15 @@
             <p:ph sz="half" idx="2"/>
           </p:nvPr>
         </p:nvSpPr>
-        <p:spPr/>
+        <p:spPr>
+          <a:xfrm>
+            <a:off x="5539839" y="2063132"/>
+            <a:ext cx="5813961" cy="4351338"/>
+          </a:xfrm>
+        </p:spPr>
         <p:txBody>
           <a:bodyPr>
-            <a:normAutofit fontScale="92500" lnSpcReduction="20000"/>
+            <a:normAutofit fontScale="77500" lnSpcReduction="20000"/>
           </a:bodyPr>
           <a:lstStyle/>
           <a:p>
@@ -4099,7 +4104,7 @@
                 <a:latin typeface="Calibri" panose="020F0502020204030204" pitchFamily="34" charset="0"/>
                 <a:cs typeface="Arial" panose="020B0604020202020204" pitchFamily="34" charset="0"/>
               </a:rPr>
-              <a:t>Plot showing the effect the number of neighbours has on the F1-score, the other parameters of KNN were fixed in this experiment</a:t>
+              <a:t>Plot showing the effect the number of neighbours has on the F1-score, the other parameters of KNN were fixed in this experiment as they don’t really contribute to overfitting</a:t>
             </a:r>
             <a:endParaRPr lang="en-GB" sz="1800" kern="100" dirty="0">
               <a:latin typeface="Calibri" panose="020F0502020204030204" pitchFamily="34" charset="0"/>
@@ -4123,7 +4128,7 @@
                 <a:latin typeface="Calibri" panose="020F0502020204030204" pitchFamily="34" charset="0"/>
                 <a:cs typeface="Arial" panose="020B0604020202020204" pitchFamily="34" charset="0"/>
               </a:rPr>
-              <a:t>For k=1 we observe train-set score of </a:t>
+              <a:t>For very low k (1,2) we observe a rather bad score</a:t>
             </a:r>
             <a:r>
               <a:rPr lang="en-GB" sz="1800" kern="100" dirty="0">
@@ -4132,7 +4137,24 @@
                 <a:ea typeface="Calibri" panose="020F0502020204030204" pitchFamily="34" charset="0"/>
                 <a:cs typeface="Arial" panose="020B0604020202020204" pitchFamily="34" charset="0"/>
               </a:rPr>
-              <a:t>1, meaning no mistakes, but the worst test-set score as the model doesn’t generalize (=overfitting)</a:t>
+              <a:t>, as the model doesn’t generalize </a:t>
+            </a:r>
+            <a:r>
+              <a:rPr lang="en-GB" sz="1800" kern="100" dirty="0">
+                <a:latin typeface="Calibri" panose="020F0502020204030204" pitchFamily="34" charset="0"/>
+                <a:ea typeface="Calibri" panose="020F0502020204030204" pitchFamily="34" charset="0"/>
+                <a:cs typeface="Arial" panose="020B0604020202020204" pitchFamily="34" charset="0"/>
+              </a:rPr>
+              <a:t>well</a:t>
+            </a:r>
+            <a:r>
+              <a:rPr lang="en-GB" sz="1800" kern="100" dirty="0">
+                <a:effectLst/>
+                <a:latin typeface="Calibri" panose="020F0502020204030204" pitchFamily="34" charset="0"/>
+                <a:ea typeface="Calibri" panose="020F0502020204030204" pitchFamily="34" charset="0"/>
+                <a:cs typeface="Arial" panose="020B0604020202020204" pitchFamily="34" charset="0"/>
+              </a:rPr>
+              <a:t>(=overfitting)</a:t>
             </a:r>
             <a:endParaRPr lang="en-GB" sz="1800" kern="100" dirty="0">
               <a:latin typeface="Calibri" panose="020F0502020204030204" pitchFamily="34" charset="0"/>
@@ -4158,7 +4180,7 @@
                 <a:ea typeface="Calibri" panose="020F0502020204030204" pitchFamily="34" charset="0"/>
                 <a:cs typeface="Arial" panose="020B0604020202020204" pitchFamily="34" charset="0"/>
               </a:rPr>
-              <a:t>For growing k up to about 12, we observe a decrease of train-score and increase of test-score</a:t>
+              <a:t>For growing k up to about 5-8, we observe a increase of test-score, meaning that the model generalizes better</a:t>
             </a:r>
             <a:endParaRPr lang="en-GB" sz="1800" kern="100" dirty="0">
               <a:latin typeface="Calibri" panose="020F0502020204030204" pitchFamily="34" charset="0"/>
@@ -4183,7 +4205,7 @@
                 <a:ea typeface="Calibri" panose="020F0502020204030204" pitchFamily="34" charset="0"/>
                 <a:cs typeface="Arial" panose="020B0604020202020204" pitchFamily="34" charset="0"/>
               </a:rPr>
-              <a:t>For larger k, both the train- and test-score go down, (the test-set only slightly) due to the fact that the model generalizes to strongly and can’t model smaller differences (=underfitting)</a:t>
+              <a:t>For larger k, test-score is going down, due to the fact that the model generalizes to strongly and can’t model smaller differences (=underfitting)</a:t>
             </a:r>
           </a:p>
           <a:p>
@@ -4203,7 +4225,7 @@
                 <a:ea typeface="Calibri" panose="020F0502020204030204" pitchFamily="34" charset="0"/>
                 <a:cs typeface="Arial" panose="020B0604020202020204" pitchFamily="34" charset="0"/>
               </a:rPr>
-              <a:t>From this plot we would expect to get the best performance for a number of k of around 10-15</a:t>
+              <a:t>The reason for the train-score always being one in this plot is the parameter ‘weights’ which was set to distance for this experiment. With this setting the points are weighted by their distance to the point to classify and as we classify also training samples here we always have a point that is ‘infinitely’ close, which results in a high weight for this sample and so the classification nearly only depends on this, resulting in a perfect classification</a:t>
             </a:r>
           </a:p>
           <a:p>
@@ -4288,46 +4310,21 @@
           </a:p>
         </p:txBody>
       </p:sp>
-      <p:sp>
-        <p:nvSpPr>
-          <p:cNvPr id="6" name="Inhaltsplatzhalter 5">
-            <a:extLst>
-              <a:ext uri="{FF2B5EF4-FFF2-40B4-BE49-F238E27FC236}">
-                <a16:creationId xmlns:a16="http://schemas.microsoft.com/office/drawing/2014/main" id="{12FA3298-4917-2859-0A4B-5B1AA9871EFF}"/>
-              </a:ext>
-            </a:extLst>
-          </p:cNvPr>
-          <p:cNvSpPr>
-            <a:spLocks noGrp="1"/>
-          </p:cNvSpPr>
-          <p:nvPr>
-            <p:ph sz="half" idx="1"/>
-          </p:nvPr>
-        </p:nvSpPr>
-        <p:spPr/>
-        <p:txBody>
-          <a:bodyPr>
-            <a:normAutofit fontScale="92500" lnSpcReduction="20000"/>
-          </a:bodyPr>
-          <a:lstStyle/>
-          <a:p>
-            <a:endParaRPr lang="en-GB"/>
-          </a:p>
-        </p:txBody>
-      </p:sp>
       <p:pic>
         <p:nvPicPr>
-          <p:cNvPr id="8" name="Grafik 7">
-            <a:extLst>
-              <a:ext uri="{FF2B5EF4-FFF2-40B4-BE49-F238E27FC236}">
-                <a16:creationId xmlns:a16="http://schemas.microsoft.com/office/drawing/2014/main" id="{82B2C0A5-CC31-FC95-1571-62FB1EB6BB7D}"/>
+          <p:cNvPr id="7" name="Inhaltsplatzhalter 6">
+            <a:extLst>
+              <a:ext uri="{FF2B5EF4-FFF2-40B4-BE49-F238E27FC236}">
+                <a16:creationId xmlns:a16="http://schemas.microsoft.com/office/drawing/2014/main" id="{E146FC44-C4D0-34B9-48B7-EF78C3C39CF9}"/>
               </a:ext>
             </a:extLst>
           </p:cNvPr>
           <p:cNvPicPr>
-            <a:picLocks noChangeAspect="1"/>
+            <a:picLocks noGrp="1" noChangeAspect="1"/>
           </p:cNvPicPr>
-          <p:nvPr/>
+          <p:nvPr>
+            <p:ph sz="half" idx="1"/>
+          </p:nvPr>
         </p:nvPicPr>
         <p:blipFill>
           <a:blip r:embed="rId2"/>
@@ -4337,12 +4334,9 @@
         </p:blipFill>
         <p:spPr>
           <a:xfrm>
-            <a:off x="740089" y="1825625"/>
-            <a:ext cx="5181600" cy="3643635"/>
+            <a:off x="492867" y="2241661"/>
+            <a:ext cx="4744112" cy="3258005"/>
           </a:xfrm>
-          <a:prstGeom prst="rect">
-            <a:avLst/>
-          </a:prstGeom>
         </p:spPr>
       </p:pic>
     </p:spTree>
@@ -4613,12 +4607,6 @@
               <a:t>Algorithm: [ball tree, brute]</a:t>
             </a:r>
           </a:p>
-          <a:p>
-            <a:r>
-              <a:rPr lang="en-GB" sz="2400" dirty="0"/>
-              <a:t>Resulting best parameters: “10”, “distance” and “brute”</a:t>
-            </a:r>
-          </a:p>
         </p:txBody>
       </p:sp>
     </p:spTree>
@@ -4695,10 +4683,61 @@
             <p:ph sz="half" idx="2"/>
           </p:nvPr>
         </p:nvSpPr>
-        <p:spPr/>
+        <p:spPr>
+          <a:xfrm>
+            <a:off x="6172200" y="2864717"/>
+            <a:ext cx="5181600" cy="2544494"/>
+          </a:xfrm>
+        </p:spPr>
         <p:txBody>
           <a:bodyPr/>
           <a:lstStyle/>
+          <a:p>
+            <a:r>
+              <a:rPr lang="en-GB" sz="2800" dirty="0"/>
+              <a:t>‘</a:t>
+            </a:r>
+            <a:r>
+              <a:rPr lang="en-GB" sz="2800" dirty="0" err="1"/>
+              <a:t>n_neighbours</a:t>
+            </a:r>
+            <a:r>
+              <a:rPr lang="en-GB" sz="2800" dirty="0"/>
+              <a:t>’ : 10</a:t>
+            </a:r>
+          </a:p>
+          <a:p>
+            <a:r>
+              <a:rPr lang="en-GB" dirty="0"/>
+              <a:t>‘weights’ : ‘</a:t>
+            </a:r>
+            <a:r>
+              <a:rPr lang="en-GB" sz="2800" dirty="0"/>
+              <a:t>distance’</a:t>
+            </a:r>
+          </a:p>
+          <a:p>
+            <a:r>
+              <a:rPr lang="en-GB" dirty="0"/>
+              <a:t>‘</a:t>
+            </a:r>
+            <a:r>
+              <a:rPr lang="en-GB" dirty="0" err="1"/>
+              <a:t>algorythm</a:t>
+            </a:r>
+            <a:r>
+              <a:rPr lang="en-GB" dirty="0"/>
+              <a:t>‘ : ’</a:t>
+            </a:r>
+            <a:r>
+              <a:rPr lang="en-GB" sz="2800" dirty="0"/>
+              <a:t>brute’</a:t>
+            </a:r>
+            <a:br>
+              <a:rPr lang="en-GB" sz="2800" dirty="0"/>
+            </a:br>
+            <a:endParaRPr lang="en-GB" sz="2800" dirty="0"/>
+          </a:p>
           <a:p>
             <a:endParaRPr lang="en-GB" dirty="0"/>
           </a:p>

--- a/Task_3_1.pptx
+++ b/Task_3_1.pptx
@@ -22,6 +22,8 @@
     <p:sldId id="266" r:id="rId16"/>
     <p:sldId id="267" r:id="rId17"/>
     <p:sldId id="268" r:id="rId18"/>
+    <p:sldId id="257" r:id="rId19"/>
+    <p:sldId id="258" r:id="rId20"/>
   </p:sldIdLst>
   <p:sldSz cx="12192000" cy="6858000"/>
   <p:notesSz cx="6858000" cy="9144000"/>
@@ -131,6 +133,44 @@
 <file path=ppt/changesInfos/changesInfo1.xml><?xml version="1.0" encoding="utf-8"?>
 <pc:chgInfo xmlns:a="http://schemas.openxmlformats.org/drawingml/2006/main" xmlns:r="http://schemas.openxmlformats.org/officeDocument/2006/relationships" xmlns:ac="http://schemas.microsoft.com/office/drawing/2013/main/command" xmlns:pc="http://schemas.microsoft.com/office/powerpoint/2013/main/command">
   <pc:docChgLst>
+    <pc:chgData name="Sandro Assek" userId="c00f4fa3-2fb0-4ff2-817b-9b12cde38168" providerId="ADAL" clId="{DA1C2504-7B15-4EC1-BF28-DB423B10ED56}"/>
+    <pc:docChg chg="addSld modSld">
+      <pc:chgData name="Sandro Assek" userId="c00f4fa3-2fb0-4ff2-817b-9b12cde38168" providerId="ADAL" clId="{DA1C2504-7B15-4EC1-BF28-DB423B10ED56}" dt="2023-05-18T16:59:17.281" v="2"/>
+      <pc:docMkLst>
+        <pc:docMk/>
+      </pc:docMkLst>
+      <pc:sldChg chg="add">
+        <pc:chgData name="Sandro Assek" userId="c00f4fa3-2fb0-4ff2-817b-9b12cde38168" providerId="ADAL" clId="{DA1C2504-7B15-4EC1-BF28-DB423B10ED56}" dt="2023-05-18T16:59:12.799" v="1"/>
+        <pc:sldMkLst>
+          <pc:docMk/>
+          <pc:sldMk cId="3427417969" sldId="257"/>
+        </pc:sldMkLst>
+      </pc:sldChg>
+      <pc:sldChg chg="add">
+        <pc:chgData name="Sandro Assek" userId="c00f4fa3-2fb0-4ff2-817b-9b12cde38168" providerId="ADAL" clId="{DA1C2504-7B15-4EC1-BF28-DB423B10ED56}" dt="2023-05-18T16:59:17.281" v="2"/>
+        <pc:sldMkLst>
+          <pc:docMk/>
+          <pc:sldMk cId="2906451323" sldId="258"/>
+        </pc:sldMkLst>
+      </pc:sldChg>
+      <pc:sldChg chg="modSp">
+        <pc:chgData name="Sandro Assek" userId="c00f4fa3-2fb0-4ff2-817b-9b12cde38168" providerId="ADAL" clId="{DA1C2504-7B15-4EC1-BF28-DB423B10ED56}" dt="2023-05-18T16:16:22.344" v="0" actId="20577"/>
+        <pc:sldMkLst>
+          <pc:docMk/>
+          <pc:sldMk cId="981419773" sldId="272"/>
+        </pc:sldMkLst>
+        <pc:graphicFrameChg chg="modGraphic">
+          <ac:chgData name="Sandro Assek" userId="c00f4fa3-2fb0-4ff2-817b-9b12cde38168" providerId="ADAL" clId="{DA1C2504-7B15-4EC1-BF28-DB423B10ED56}" dt="2023-05-18T16:16:22.344" v="0" actId="20577"/>
+          <ac:graphicFrameMkLst>
+            <pc:docMk/>
+            <pc:sldMk cId="981419773" sldId="272"/>
+            <ac:graphicFrameMk id="6" creationId="{C02F67C5-7F67-4C22-BEF4-3314403CC47E}"/>
+          </ac:graphicFrameMkLst>
+        </pc:graphicFrameChg>
+      </pc:sldChg>
+    </pc:docChg>
+  </pc:docChgLst>
+  <pc:docChgLst>
     <pc:chgData name="simina.petruta@gmail.com" userId="9c4335ceacbb58fc" providerId="LiveId" clId="{56F4BDB0-760C-498B-8724-F4B4A025F260}"/>
     <pc:docChg chg="modSld">
       <pc:chgData name="simina.petruta@gmail.com" userId="9c4335ceacbb58fc" providerId="LiveId" clId="{56F4BDB0-760C-498B-8724-F4B4A025F260}" dt="2023-05-18T10:27:53.342" v="0" actId="20577"/>
@@ -358,7 +398,7 @@
           <a:p>
             <a:fld id="{5FE1CFB4-4EC3-4B46-8D35-E8CFDF4A4890}" type="slidenum">
               <a:rPr lang="de-DE" smtClean="0"/>
-              <a:t>‹#›</a:t>
+              <a:t>‹Nr.›</a:t>
             </a:fld>
             <a:endParaRPr lang="de-DE"/>
           </a:p>
@@ -556,7 +596,7 @@
           <a:p>
             <a:fld id="{5FE1CFB4-4EC3-4B46-8D35-E8CFDF4A4890}" type="slidenum">
               <a:rPr lang="de-DE" smtClean="0"/>
-              <a:t>‹#›</a:t>
+              <a:t>‹Nr.›</a:t>
             </a:fld>
             <a:endParaRPr lang="de-DE"/>
           </a:p>
@@ -764,7 +804,7 @@
           <a:p>
             <a:fld id="{5FE1CFB4-4EC3-4B46-8D35-E8CFDF4A4890}" type="slidenum">
               <a:rPr lang="de-DE" smtClean="0"/>
-              <a:t>‹#›</a:t>
+              <a:t>‹Nr.›</a:t>
             </a:fld>
             <a:endParaRPr lang="de-DE"/>
           </a:p>
@@ -962,7 +1002,7 @@
           <a:p>
             <a:fld id="{5FE1CFB4-4EC3-4B46-8D35-E8CFDF4A4890}" type="slidenum">
               <a:rPr lang="de-DE" smtClean="0"/>
-              <a:t>‹#›</a:t>
+              <a:t>‹Nr.›</a:t>
             </a:fld>
             <a:endParaRPr lang="de-DE"/>
           </a:p>
@@ -1237,7 +1277,7 @@
           <a:p>
             <a:fld id="{5FE1CFB4-4EC3-4B46-8D35-E8CFDF4A4890}" type="slidenum">
               <a:rPr lang="de-DE" smtClean="0"/>
-              <a:t>‹#›</a:t>
+              <a:t>‹Nr.›</a:t>
             </a:fld>
             <a:endParaRPr lang="de-DE"/>
           </a:p>
@@ -1502,7 +1542,7 @@
           <a:p>
             <a:fld id="{5FE1CFB4-4EC3-4B46-8D35-E8CFDF4A4890}" type="slidenum">
               <a:rPr lang="de-DE" smtClean="0"/>
-              <a:t>‹#›</a:t>
+              <a:t>‹Nr.›</a:t>
             </a:fld>
             <a:endParaRPr lang="de-DE"/>
           </a:p>
@@ -1914,7 +1954,7 @@
           <a:p>
             <a:fld id="{5FE1CFB4-4EC3-4B46-8D35-E8CFDF4A4890}" type="slidenum">
               <a:rPr lang="de-DE" smtClean="0"/>
-              <a:t>‹#›</a:t>
+              <a:t>‹Nr.›</a:t>
             </a:fld>
             <a:endParaRPr lang="de-DE"/>
           </a:p>
@@ -2055,7 +2095,7 @@
           <a:p>
             <a:fld id="{5FE1CFB4-4EC3-4B46-8D35-E8CFDF4A4890}" type="slidenum">
               <a:rPr lang="de-DE" smtClean="0"/>
-              <a:t>‹#›</a:t>
+              <a:t>‹Nr.›</a:t>
             </a:fld>
             <a:endParaRPr lang="de-DE"/>
           </a:p>
@@ -2168,7 +2208,7 @@
           <a:p>
             <a:fld id="{5FE1CFB4-4EC3-4B46-8D35-E8CFDF4A4890}" type="slidenum">
               <a:rPr lang="de-DE" smtClean="0"/>
-              <a:t>‹#›</a:t>
+              <a:t>‹Nr.›</a:t>
             </a:fld>
             <a:endParaRPr lang="de-DE"/>
           </a:p>
@@ -2479,7 +2519,7 @@
           <a:p>
             <a:fld id="{5FE1CFB4-4EC3-4B46-8D35-E8CFDF4A4890}" type="slidenum">
               <a:rPr lang="de-DE" smtClean="0"/>
-              <a:t>‹#›</a:t>
+              <a:t>‹Nr.›</a:t>
             </a:fld>
             <a:endParaRPr lang="de-DE"/>
           </a:p>
@@ -2767,7 +2807,7 @@
           <a:p>
             <a:fld id="{5FE1CFB4-4EC3-4B46-8D35-E8CFDF4A4890}" type="slidenum">
               <a:rPr lang="de-DE" smtClean="0"/>
-              <a:t>‹#›</a:t>
+              <a:t>‹Nr.›</a:t>
             </a:fld>
             <a:endParaRPr lang="de-DE"/>
           </a:p>
@@ -3044,7 +3084,7 @@
           <a:p>
             <a:fld id="{5FE1CFB4-4EC3-4B46-8D35-E8CFDF4A4890}" type="slidenum">
               <a:rPr lang="de-DE" smtClean="0"/>
-              <a:t>‹#›</a:t>
+              <a:t>‹Nr.›</a:t>
             </a:fld>
             <a:endParaRPr lang="de-DE"/>
           </a:p>
@@ -5777,6 +5817,466 @@
 </p:sld>
 </file>
 
+<file path=ppt/slides/slide18.xml><?xml version="1.0" encoding="utf-8"?>
+<p:sld xmlns:a="http://schemas.openxmlformats.org/drawingml/2006/main" xmlns:r="http://schemas.openxmlformats.org/officeDocument/2006/relationships" xmlns:p="http://schemas.openxmlformats.org/presentationml/2006/main">
+  <p:cSld>
+    <p:spTree>
+      <p:nvGrpSpPr>
+        <p:cNvPr id="1" name=""/>
+        <p:cNvGrpSpPr/>
+        <p:nvPr/>
+      </p:nvGrpSpPr>
+      <p:grpSpPr>
+        <a:xfrm>
+          <a:off x="0" y="0"/>
+          <a:ext cx="0" cy="0"/>
+          <a:chOff x="0" y="0"/>
+          <a:chExt cx="0" cy="0"/>
+        </a:xfrm>
+      </p:grpSpPr>
+      <p:sp>
+        <p:nvSpPr>
+          <p:cNvPr id="2" name="Titel 1">
+            <a:extLst>
+              <a:ext uri="{FF2B5EF4-FFF2-40B4-BE49-F238E27FC236}">
+                <a16:creationId xmlns:a16="http://schemas.microsoft.com/office/drawing/2014/main" id="{F6E4A86D-AA0A-4442-95A2-F29FB7F82063}"/>
+              </a:ext>
+            </a:extLst>
+          </p:cNvPr>
+          <p:cNvSpPr>
+            <a:spLocks noGrp="1"/>
+          </p:cNvSpPr>
+          <p:nvPr>
+            <p:ph type="title"/>
+          </p:nvPr>
+        </p:nvSpPr>
+        <p:spPr/>
+        <p:txBody>
+          <a:bodyPr/>
+          <a:lstStyle/>
+          <a:p>
+            <a:r>
+              <a:rPr lang="de-DE" dirty="0"/>
+              <a:t>SVM </a:t>
+            </a:r>
+            <a:r>
+              <a:rPr lang="de-DE" dirty="0" err="1"/>
+              <a:t>Classifier</a:t>
+            </a:r>
+            <a:r>
+              <a:rPr lang="de-DE" dirty="0"/>
+              <a:t>: Settings</a:t>
+            </a:r>
+            <a:endParaRPr lang="de-AT" dirty="0"/>
+          </a:p>
+        </p:txBody>
+      </p:sp>
+      <p:sp>
+        <p:nvSpPr>
+          <p:cNvPr id="3" name="Inhaltsplatzhalter 2">
+            <a:extLst>
+              <a:ext uri="{FF2B5EF4-FFF2-40B4-BE49-F238E27FC236}">
+                <a16:creationId xmlns:a16="http://schemas.microsoft.com/office/drawing/2014/main" id="{ED91605F-63E9-4380-AAE2-52936831E3E6}"/>
+              </a:ext>
+            </a:extLst>
+          </p:cNvPr>
+          <p:cNvSpPr>
+            <a:spLocks noGrp="1"/>
+          </p:cNvSpPr>
+          <p:nvPr>
+            <p:ph idx="1"/>
+          </p:nvPr>
+        </p:nvSpPr>
+        <p:spPr>
+          <a:xfrm>
+            <a:off x="788565" y="4049615"/>
+            <a:ext cx="11031523" cy="5103172"/>
+          </a:xfrm>
+        </p:spPr>
+        <p:txBody>
+          <a:bodyPr>
+            <a:normAutofit/>
+          </a:bodyPr>
+          <a:lstStyle/>
+          <a:p>
+            <a:r>
+              <a:rPr lang="en-US" sz="1800" dirty="0"/>
+              <a:t>Plot shows differences in terms of features for each kernel split into different gamma values and chosen tolerances</a:t>
+            </a:r>
+          </a:p>
+          <a:p>
+            <a:r>
+              <a:rPr lang="en-US" sz="1800" dirty="0"/>
+              <a:t>No overfitting occurrence on trained combinations</a:t>
+            </a:r>
+          </a:p>
+          <a:p>
+            <a:r>
+              <a:rPr lang="en-US" sz="1800" dirty="0"/>
+              <a:t>In almost all cases linear kernel underperforms poly and </a:t>
+            </a:r>
+            <a:r>
+              <a:rPr lang="en-US" sz="1800" dirty="0" err="1"/>
+              <a:t>rbf</a:t>
+            </a:r>
+            <a:r>
+              <a:rPr lang="en-US" sz="1800" dirty="0"/>
+              <a:t> kernel -&gt; there is no linear assumption on the data</a:t>
+            </a:r>
+          </a:p>
+          <a:p>
+            <a:r>
+              <a:rPr lang="en-US" sz="1800" dirty="0"/>
+              <a:t>Surprising: No real differences between different parameters for gamma and </a:t>
+            </a:r>
+            <a:r>
+              <a:rPr lang="en-US" sz="1800" dirty="0" err="1"/>
+              <a:t>tol</a:t>
+            </a:r>
+            <a:r>
+              <a:rPr lang="en-US" sz="1800" dirty="0"/>
+              <a:t>. throughout all kernel combinations. Expected changes for </a:t>
+            </a:r>
+            <a:r>
+              <a:rPr lang="en-US" sz="1800" dirty="0" err="1"/>
+              <a:t>tol</a:t>
+            </a:r>
+            <a:r>
+              <a:rPr lang="en-US" sz="1800" dirty="0"/>
+              <a:t> as it defines how quickly a model converges. Smaller </a:t>
+            </a:r>
+            <a:r>
+              <a:rPr lang="en-US" sz="1800" dirty="0" err="1"/>
+              <a:t>tol</a:t>
+            </a:r>
+            <a:r>
+              <a:rPr lang="en-US" sz="1800" dirty="0"/>
+              <a:t> results in more iterations but more precise results </a:t>
+            </a:r>
+          </a:p>
+          <a:p>
+            <a:endParaRPr lang="en-US" sz="1800" dirty="0"/>
+          </a:p>
+          <a:p>
+            <a:endParaRPr lang="en-US" sz="1800" dirty="0"/>
+          </a:p>
+        </p:txBody>
+      </p:sp>
+      <p:pic>
+        <p:nvPicPr>
+          <p:cNvPr id="4" name="Grafik 3">
+            <a:extLst>
+              <a:ext uri="{FF2B5EF4-FFF2-40B4-BE49-F238E27FC236}">
+                <a16:creationId xmlns:a16="http://schemas.microsoft.com/office/drawing/2014/main" id="{C57987E9-F188-4A09-9A8A-2FCD942DC4EA}"/>
+              </a:ext>
+            </a:extLst>
+          </p:cNvPr>
+          <p:cNvPicPr>
+            <a:picLocks noChangeAspect="1"/>
+          </p:cNvPicPr>
+          <p:nvPr/>
+        </p:nvPicPr>
+        <p:blipFill>
+          <a:blip r:embed="rId2"/>
+          <a:stretch>
+            <a:fillRect/>
+          </a:stretch>
+        </p:blipFill>
+        <p:spPr>
+          <a:xfrm>
+            <a:off x="788565" y="1388425"/>
+            <a:ext cx="8321879" cy="2453440"/>
+          </a:xfrm>
+          <a:prstGeom prst="rect">
+            <a:avLst/>
+          </a:prstGeom>
+        </p:spPr>
+      </p:pic>
+      <p:sp>
+        <p:nvSpPr>
+          <p:cNvPr id="5" name="Textfeld 4">
+            <a:extLst>
+              <a:ext uri="{FF2B5EF4-FFF2-40B4-BE49-F238E27FC236}">
+                <a16:creationId xmlns:a16="http://schemas.microsoft.com/office/drawing/2014/main" id="{7766CD02-B7C2-4790-A724-AD135CE7D5E9}"/>
+              </a:ext>
+            </a:extLst>
+          </p:cNvPr>
+          <p:cNvSpPr txBox="1"/>
+          <p:nvPr/>
+        </p:nvSpPr>
+        <p:spPr>
+          <a:xfrm>
+            <a:off x="9110444" y="1388425"/>
+            <a:ext cx="2944536" cy="2185214"/>
+          </a:xfrm>
+          <a:prstGeom prst="rect">
+            <a:avLst/>
+          </a:prstGeom>
+          <a:noFill/>
+        </p:spPr>
+        <p:txBody>
+          <a:bodyPr wrap="square" rtlCol="0">
+            <a:spAutoFit/>
+          </a:bodyPr>
+          <a:lstStyle/>
+          <a:p>
+            <a:r>
+              <a:rPr lang="en-US" dirty="0"/>
+              <a:t>Show different Macro F1-score results of following parameter combination:</a:t>
+            </a:r>
+          </a:p>
+          <a:p>
+            <a:pPr lvl="1"/>
+            <a:r>
+              <a:rPr lang="en-US" sz="1600" dirty="0"/>
+              <a:t>features=[20, 50]</a:t>
+            </a:r>
+          </a:p>
+          <a:p>
+            <a:pPr lvl="1"/>
+            <a:r>
+              <a:rPr lang="en-US" sz="1600" dirty="0"/>
+              <a:t>kernel=[‘linear‘, ‘poly’, ‘</a:t>
+            </a:r>
+            <a:r>
+              <a:rPr lang="en-US" sz="1600" dirty="0" err="1"/>
+              <a:t>rbf</a:t>
+            </a:r>
+            <a:r>
+              <a:rPr lang="en-US" sz="1600" dirty="0"/>
+              <a:t>’]</a:t>
+            </a:r>
+          </a:p>
+          <a:p>
+            <a:pPr lvl="1"/>
+            <a:r>
+              <a:rPr lang="en-US" sz="1600" dirty="0"/>
+              <a:t>gamma=[‘auto’, ‘scale’]</a:t>
+            </a:r>
+          </a:p>
+          <a:p>
+            <a:pPr lvl="1"/>
+            <a:r>
+              <a:rPr lang="en-US" sz="1600" dirty="0" err="1"/>
+              <a:t>tol</a:t>
+            </a:r>
+            <a:r>
+              <a:rPr lang="en-US" sz="1600" dirty="0"/>
+              <a:t>=[1e-4, 1e-3, 1e-2]</a:t>
+            </a:r>
+          </a:p>
+          <a:p>
+            <a:endParaRPr lang="de-AT" dirty="0"/>
+          </a:p>
+        </p:txBody>
+      </p:sp>
+    </p:spTree>
+    <p:extLst>
+      <p:ext uri="{BB962C8B-B14F-4D97-AF65-F5344CB8AC3E}">
+        <p14:creationId xmlns:p14="http://schemas.microsoft.com/office/powerpoint/2010/main" val="3427417969"/>
+      </p:ext>
+    </p:extLst>
+  </p:cSld>
+  <p:clrMapOvr>
+    <a:masterClrMapping/>
+  </p:clrMapOvr>
+</p:sld>
+</file>
+
+<file path=ppt/slides/slide19.xml><?xml version="1.0" encoding="utf-8"?>
+<p:sld xmlns:a="http://schemas.openxmlformats.org/drawingml/2006/main" xmlns:r="http://schemas.openxmlformats.org/officeDocument/2006/relationships" xmlns:p="http://schemas.openxmlformats.org/presentationml/2006/main">
+  <p:cSld>
+    <p:spTree>
+      <p:nvGrpSpPr>
+        <p:cNvPr id="1" name=""/>
+        <p:cNvGrpSpPr/>
+        <p:nvPr/>
+      </p:nvGrpSpPr>
+      <p:grpSpPr>
+        <a:xfrm>
+          <a:off x="0" y="0"/>
+          <a:ext cx="0" cy="0"/>
+          <a:chOff x="0" y="0"/>
+          <a:chExt cx="0" cy="0"/>
+        </a:xfrm>
+      </p:grpSpPr>
+      <p:sp>
+        <p:nvSpPr>
+          <p:cNvPr id="2" name="Titel 1">
+            <a:extLst>
+              <a:ext uri="{FF2B5EF4-FFF2-40B4-BE49-F238E27FC236}">
+                <a16:creationId xmlns:a16="http://schemas.microsoft.com/office/drawing/2014/main" id="{72732616-C75C-4953-8098-50F38FAB4D40}"/>
+              </a:ext>
+            </a:extLst>
+          </p:cNvPr>
+          <p:cNvSpPr>
+            <a:spLocks noGrp="1"/>
+          </p:cNvSpPr>
+          <p:nvPr>
+            <p:ph type="title"/>
+          </p:nvPr>
+        </p:nvSpPr>
+        <p:spPr/>
+        <p:txBody>
+          <a:bodyPr/>
+          <a:lstStyle/>
+          <a:p>
+            <a:r>
+              <a:rPr lang="de-DE" dirty="0"/>
+              <a:t>SVM </a:t>
+            </a:r>
+            <a:r>
+              <a:rPr lang="de-DE" dirty="0" err="1"/>
+              <a:t>Classifier</a:t>
+            </a:r>
+            <a:r>
+              <a:rPr lang="de-DE" dirty="0"/>
+              <a:t>: Parameter Search / Best Parameters</a:t>
+            </a:r>
+            <a:endParaRPr lang="de-AT" dirty="0"/>
+          </a:p>
+        </p:txBody>
+      </p:sp>
+      <p:sp>
+        <p:nvSpPr>
+          <p:cNvPr id="3" name="Inhaltsplatzhalter 2">
+            <a:extLst>
+              <a:ext uri="{FF2B5EF4-FFF2-40B4-BE49-F238E27FC236}">
+                <a16:creationId xmlns:a16="http://schemas.microsoft.com/office/drawing/2014/main" id="{CCA20B45-F363-426F-9CED-DA06F29AC2AB}"/>
+              </a:ext>
+            </a:extLst>
+          </p:cNvPr>
+          <p:cNvSpPr>
+            <a:spLocks noGrp="1"/>
+          </p:cNvSpPr>
+          <p:nvPr>
+            <p:ph idx="1"/>
+          </p:nvPr>
+        </p:nvSpPr>
+        <p:spPr/>
+        <p:txBody>
+          <a:bodyPr>
+            <a:normAutofit lnSpcReduction="10000"/>
+          </a:bodyPr>
+          <a:lstStyle/>
+          <a:p>
+            <a:r>
+              <a:rPr lang="en-US" dirty="0"/>
+              <a:t>Run Grid-search with the following parameters:</a:t>
+            </a:r>
+          </a:p>
+          <a:p>
+            <a:pPr lvl="1"/>
+            <a:r>
+              <a:rPr lang="en-US" dirty="0"/>
+              <a:t>features=[20, 50]</a:t>
+            </a:r>
+          </a:p>
+          <a:p>
+            <a:pPr lvl="1"/>
+            <a:r>
+              <a:rPr lang="en-US" dirty="0"/>
+              <a:t>kernel=[‘poly’, ‘</a:t>
+            </a:r>
+            <a:r>
+              <a:rPr lang="en-US" dirty="0" err="1"/>
+              <a:t>rbf</a:t>
+            </a:r>
+            <a:r>
+              <a:rPr lang="en-US" dirty="0"/>
+              <a:t>’]</a:t>
+            </a:r>
+          </a:p>
+          <a:p>
+            <a:pPr lvl="1"/>
+            <a:r>
+              <a:rPr lang="en-US" dirty="0"/>
+              <a:t>gamma=[‘auto’]</a:t>
+            </a:r>
+          </a:p>
+          <a:p>
+            <a:pPr lvl="1"/>
+            <a:r>
+              <a:rPr lang="en-US" dirty="0" err="1"/>
+              <a:t>tol</a:t>
+            </a:r>
+            <a:r>
+              <a:rPr lang="en-US" dirty="0"/>
+              <a:t>=[1e-3]</a:t>
+            </a:r>
+          </a:p>
+          <a:p>
+            <a:pPr lvl="1"/>
+            <a:r>
+              <a:rPr lang="en-US" dirty="0"/>
+              <a:t>degree=[3,7,9,12] only for kernel=poly</a:t>
+            </a:r>
+          </a:p>
+          <a:p>
+            <a:r>
+              <a:rPr lang="en-US" dirty="0"/>
+              <a:t>Resulting best parameter combination:</a:t>
+            </a:r>
+          </a:p>
+          <a:p>
+            <a:pPr lvl="1"/>
+            <a:r>
+              <a:rPr lang="en-US" dirty="0"/>
+              <a:t>features=50</a:t>
+            </a:r>
+          </a:p>
+          <a:p>
+            <a:pPr lvl="1"/>
+            <a:r>
+              <a:rPr lang="en-US" dirty="0"/>
+              <a:t>kernel=‘</a:t>
+            </a:r>
+            <a:r>
+              <a:rPr lang="en-US" dirty="0" err="1"/>
+              <a:t>rbf</a:t>
+            </a:r>
+            <a:r>
+              <a:rPr lang="en-US" dirty="0"/>
+              <a:t>’</a:t>
+            </a:r>
+          </a:p>
+          <a:p>
+            <a:pPr lvl="1"/>
+            <a:r>
+              <a:rPr lang="en-US" dirty="0"/>
+              <a:t>gamma=‘auto’</a:t>
+            </a:r>
+          </a:p>
+          <a:p>
+            <a:pPr lvl="1"/>
+            <a:r>
+              <a:rPr lang="en-US" dirty="0" err="1"/>
+              <a:t>tol</a:t>
+            </a:r>
+            <a:r>
+              <a:rPr lang="en-US" dirty="0"/>
+              <a:t>=1e-3</a:t>
+            </a:r>
+          </a:p>
+          <a:p>
+            <a:pPr lvl="1"/>
+            <a:endParaRPr lang="en-US" dirty="0"/>
+          </a:p>
+        </p:txBody>
+      </p:sp>
+    </p:spTree>
+    <p:extLst>
+      <p:ext uri="{BB962C8B-B14F-4D97-AF65-F5344CB8AC3E}">
+        <p14:creationId xmlns:p14="http://schemas.microsoft.com/office/powerpoint/2010/main" val="2906451323"/>
+      </p:ext>
+    </p:extLst>
+  </p:cSld>
+  <p:clrMapOvr>
+    <a:masterClrMapping/>
+  </p:clrMapOvr>
+</p:sld>
+</file>
+
 <file path=ppt/slides/slide2.xml><?xml version="1.0" encoding="utf-8"?>
 <p:sld xmlns:a="http://schemas.openxmlformats.org/drawingml/2006/main" xmlns:r="http://schemas.openxmlformats.org/officeDocument/2006/relationships" xmlns:p="http://schemas.openxmlformats.org/presentationml/2006/main">
   <p:cSld>
@@ -6386,7 +6886,7 @@
           <p:nvPr>
             <p:extLst>
               <p:ext uri="{D42A27DB-BD31-4B8C-83A1-F6EECF244321}">
-                <p14:modId xmlns:p14="http://schemas.microsoft.com/office/powerpoint/2010/main" val="2181991160"/>
+                <p14:modId xmlns:p14="http://schemas.microsoft.com/office/powerpoint/2010/main" val="3067851151"/>
               </p:ext>
             </p:extLst>
           </p:nvPr>
@@ -7042,7 +7542,10 @@
                     <a:bodyPr/>
                     <a:lstStyle/>
                     <a:p>
-                      <a:endParaRPr lang="de-DE" sz="1400" dirty="0"/>
+                      <a:r>
+                        <a:rPr lang="de-DE" sz="1400" dirty="0"/>
+                        <a:t>-</a:t>
+                      </a:r>
                     </a:p>
                   </a:txBody>
                   <a:tcPr/>

--- a/Task_3_1.pptx
+++ b/Task_3_1.pptx
@@ -134,8 +134,8 @@
 <pc:chgInfo xmlns:a="http://schemas.openxmlformats.org/drawingml/2006/main" xmlns:r="http://schemas.openxmlformats.org/officeDocument/2006/relationships" xmlns:ac="http://schemas.microsoft.com/office/drawing/2013/main/command" xmlns:pc="http://schemas.microsoft.com/office/powerpoint/2013/main/command">
   <pc:docChgLst>
     <pc:chgData name="Sandro Assek" userId="c00f4fa3-2fb0-4ff2-817b-9b12cde38168" providerId="ADAL" clId="{DA1C2504-7B15-4EC1-BF28-DB423B10ED56}"/>
-    <pc:docChg chg="addSld modSld">
-      <pc:chgData name="Sandro Assek" userId="c00f4fa3-2fb0-4ff2-817b-9b12cde38168" providerId="ADAL" clId="{DA1C2504-7B15-4EC1-BF28-DB423B10ED56}" dt="2023-05-18T16:59:17.281" v="2"/>
+    <pc:docChg chg="custSel addSld modSld">
+      <pc:chgData name="Sandro Assek" userId="c00f4fa3-2fb0-4ff2-817b-9b12cde38168" providerId="ADAL" clId="{DA1C2504-7B15-4EC1-BF28-DB423B10ED56}" dt="2023-05-18T17:06:23.913" v="9" actId="1076"/>
       <pc:docMkLst>
         <pc:docMk/>
       </pc:docMkLst>
@@ -146,12 +146,28 @@
           <pc:sldMk cId="3427417969" sldId="257"/>
         </pc:sldMkLst>
       </pc:sldChg>
-      <pc:sldChg chg="add">
-        <pc:chgData name="Sandro Assek" userId="c00f4fa3-2fb0-4ff2-817b-9b12cde38168" providerId="ADAL" clId="{DA1C2504-7B15-4EC1-BF28-DB423B10ED56}" dt="2023-05-18T16:59:17.281" v="2"/>
+      <pc:sldChg chg="addSp delSp modSp add">
+        <pc:chgData name="Sandro Assek" userId="c00f4fa3-2fb0-4ff2-817b-9b12cde38168" providerId="ADAL" clId="{DA1C2504-7B15-4EC1-BF28-DB423B10ED56}" dt="2023-05-18T17:06:23.913" v="9" actId="1076"/>
         <pc:sldMkLst>
           <pc:docMk/>
           <pc:sldMk cId="2906451323" sldId="258"/>
         </pc:sldMkLst>
+        <pc:picChg chg="add del mod">
+          <ac:chgData name="Sandro Assek" userId="c00f4fa3-2fb0-4ff2-817b-9b12cde38168" providerId="ADAL" clId="{DA1C2504-7B15-4EC1-BF28-DB423B10ED56}" dt="2023-05-18T17:06:20.708" v="7" actId="478"/>
+          <ac:picMkLst>
+            <pc:docMk/>
+            <pc:sldMk cId="2906451323" sldId="258"/>
+            <ac:picMk id="4" creationId="{FC5D2C34-535D-430F-A9E8-94BB6BE5CC44}"/>
+          </ac:picMkLst>
+        </pc:picChg>
+        <pc:picChg chg="add mod">
+          <ac:chgData name="Sandro Assek" userId="c00f4fa3-2fb0-4ff2-817b-9b12cde38168" providerId="ADAL" clId="{DA1C2504-7B15-4EC1-BF28-DB423B10ED56}" dt="2023-05-18T17:06:23.913" v="9" actId="1076"/>
+          <ac:picMkLst>
+            <pc:docMk/>
+            <pc:sldMk cId="2906451323" sldId="258"/>
+            <ac:picMk id="5" creationId="{7CEF41D2-6AF6-43DD-8DE5-E14FE0BA7467}"/>
+          </ac:picMkLst>
+        </pc:picChg>
       </pc:sldChg>
       <pc:sldChg chg="modSp">
         <pc:chgData name="Sandro Assek" userId="c00f4fa3-2fb0-4ff2-817b-9b12cde38168" providerId="ADAL" clId="{DA1C2504-7B15-4EC1-BF28-DB423B10ED56}" dt="2023-05-18T16:16:22.344" v="0" actId="20577"/>
@@ -6264,6 +6280,36 @@
           </a:p>
         </p:txBody>
       </p:sp>
+      <p:pic>
+        <p:nvPicPr>
+          <p:cNvPr id="5" name="Grafik 4">
+            <a:extLst>
+              <a:ext uri="{FF2B5EF4-FFF2-40B4-BE49-F238E27FC236}">
+                <a16:creationId xmlns:a16="http://schemas.microsoft.com/office/drawing/2014/main" id="{7CEF41D2-6AF6-43DD-8DE5-E14FE0BA7467}"/>
+              </a:ext>
+            </a:extLst>
+          </p:cNvPr>
+          <p:cNvPicPr>
+            <a:picLocks noChangeAspect="1"/>
+          </p:cNvPicPr>
+          <p:nvPr/>
+        </p:nvPicPr>
+        <p:blipFill>
+          <a:blip r:embed="rId2"/>
+          <a:stretch>
+            <a:fillRect/>
+          </a:stretch>
+        </p:blipFill>
+        <p:spPr>
+          <a:xfrm>
+            <a:off x="7677368" y="2162350"/>
+            <a:ext cx="4219575" cy="4676775"/>
+          </a:xfrm>
+          <a:prstGeom prst="rect">
+            <a:avLst/>
+          </a:prstGeom>
+        </p:spPr>
+      </p:pic>
     </p:spTree>
     <p:extLst>
       <p:ext uri="{BB962C8B-B14F-4D97-AF65-F5344CB8AC3E}">

--- a/Task_3_1.pptx
+++ b/Task_3_1.pptx
@@ -4133,10 +4133,15 @@
             <p:ph sz="half" idx="2"/>
           </p:nvPr>
         </p:nvSpPr>
-        <p:spPr/>
+        <p:spPr>
+          <a:xfrm>
+            <a:off x="5779008" y="1825625"/>
+            <a:ext cx="5574792" cy="4351338"/>
+          </a:xfrm>
+        </p:spPr>
         <p:txBody>
           <a:bodyPr>
-            <a:normAutofit fontScale="92500" lnSpcReduction="20000"/>
+            <a:normAutofit fontScale="77500" lnSpcReduction="20000"/>
           </a:bodyPr>
           <a:lstStyle/>
           <a:p>
@@ -4155,7 +4160,7 @@
                 <a:latin typeface="Calibri" panose="020F0502020204030204" pitchFamily="34" charset="0"/>
                 <a:cs typeface="Arial" panose="020B0604020202020204" pitchFamily="34" charset="0"/>
               </a:rPr>
-              <a:t>Plot showing the effect the number of neighbours has on the precision score, the other parameters of KNN were fixed in this experiment</a:t>
+              <a:t>Plot showing the effect the number of neighbours has on the F1-score, the other parameters of KNN were fixed in this experiment as they don’t really contribute to overfitting</a:t>
             </a:r>
             <a:endParaRPr lang="en-GB" sz="1800" kern="100" dirty="0">
               <a:latin typeface="Calibri" panose="020F0502020204030204" pitchFamily="34" charset="0"/>
@@ -4179,7 +4184,7 @@
                 <a:latin typeface="Calibri" panose="020F0502020204030204" pitchFamily="34" charset="0"/>
                 <a:cs typeface="Arial" panose="020B0604020202020204" pitchFamily="34" charset="0"/>
               </a:rPr>
-              <a:t>For k=1 we observe train-set score of </a:t>
+              <a:t>For very low k (1,2) we observe a rather bad score</a:t>
             </a:r>
             <a:r>
               <a:rPr lang="en-GB" sz="1800" kern="100" dirty="0">
@@ -4188,7 +4193,24 @@
                 <a:ea typeface="Calibri" panose="020F0502020204030204" pitchFamily="34" charset="0"/>
                 <a:cs typeface="Arial" panose="020B0604020202020204" pitchFamily="34" charset="0"/>
               </a:rPr>
-              <a:t>1, meaning no mistakes, but the worst test-set score as the model doesn’t generalizes (=overfitting)</a:t>
+              <a:t>, as the model doesn’t generalize </a:t>
+            </a:r>
+            <a:r>
+              <a:rPr lang="en-GB" sz="1800" kern="100" dirty="0">
+                <a:latin typeface="Calibri" panose="020F0502020204030204" pitchFamily="34" charset="0"/>
+                <a:ea typeface="Calibri" panose="020F0502020204030204" pitchFamily="34" charset="0"/>
+                <a:cs typeface="Arial" panose="020B0604020202020204" pitchFamily="34" charset="0"/>
+              </a:rPr>
+              <a:t>well</a:t>
+            </a:r>
+            <a:r>
+              <a:rPr lang="en-GB" sz="1800" kern="100" dirty="0">
+                <a:effectLst/>
+                <a:latin typeface="Calibri" panose="020F0502020204030204" pitchFamily="34" charset="0"/>
+                <a:ea typeface="Calibri" panose="020F0502020204030204" pitchFamily="34" charset="0"/>
+                <a:cs typeface="Arial" panose="020B0604020202020204" pitchFamily="34" charset="0"/>
+              </a:rPr>
+              <a:t>(=overfitting)</a:t>
             </a:r>
             <a:endParaRPr lang="en-GB" sz="1800" kern="100" dirty="0">
               <a:latin typeface="Calibri" panose="020F0502020204030204" pitchFamily="34" charset="0"/>
@@ -4214,7 +4236,7 @@
                 <a:ea typeface="Calibri" panose="020F0502020204030204" pitchFamily="34" charset="0"/>
                 <a:cs typeface="Arial" panose="020B0604020202020204" pitchFamily="34" charset="0"/>
               </a:rPr>
-              <a:t>For growing k up to about 12 , we observe a decrease of train score and increase of test-score</a:t>
+              <a:t>For growing k up to about 5-8, we observe a increase of test-score, meaning that the model generalizes better</a:t>
             </a:r>
             <a:endParaRPr lang="en-GB" sz="1800" kern="100" dirty="0">
               <a:latin typeface="Calibri" panose="020F0502020204030204" pitchFamily="34" charset="0"/>
@@ -4239,7 +4261,7 @@
                 <a:ea typeface="Calibri" panose="020F0502020204030204" pitchFamily="34" charset="0"/>
                 <a:cs typeface="Arial" panose="020B0604020202020204" pitchFamily="34" charset="0"/>
               </a:rPr>
-              <a:t>For larger k, both the train- and test-score go down, (the test-set only slightly) due to the fact that the model generalizes to strong and can’t model smaller differences (=underfitting)</a:t>
+              <a:t>For larger k, test-score is going down, due to the fact that the model generalizes to strongly and can’t model smaller differences (=underfitting)</a:t>
             </a:r>
           </a:p>
           <a:p>
@@ -4259,7 +4281,7 @@
                 <a:ea typeface="Calibri" panose="020F0502020204030204" pitchFamily="34" charset="0"/>
                 <a:cs typeface="Arial" panose="020B0604020202020204" pitchFamily="34" charset="0"/>
               </a:rPr>
-              <a:t>From this plot we would expect to get the best performance for a number of k of around 10-15</a:t>
+              <a:t>The reason for the train-score always being one in this plot is the parameter ‘weights’ which was set to distance for this experiment. With this setting the points are weighted by their distance to the point to classify and as we classify also training samples here we always have a point that is ‘infinitely’ close, which results in a high weight for this sample and so the classification nearly only depends on this, resulting in a perfect classification</a:t>
             </a:r>
           </a:p>
           <a:p>
@@ -4344,46 +4366,21 @@
           </a:p>
         </p:txBody>
       </p:sp>
-      <p:sp>
-        <p:nvSpPr>
-          <p:cNvPr id="6" name="Inhaltsplatzhalter 5">
-            <a:extLst>
-              <a:ext uri="{FF2B5EF4-FFF2-40B4-BE49-F238E27FC236}">
-                <a16:creationId xmlns:a16="http://schemas.microsoft.com/office/drawing/2014/main" id="{12FA3298-4917-2859-0A4B-5B1AA9871EFF}"/>
-              </a:ext>
-            </a:extLst>
-          </p:cNvPr>
-          <p:cNvSpPr>
-            <a:spLocks noGrp="1"/>
-          </p:cNvSpPr>
-          <p:nvPr>
-            <p:ph sz="half" idx="1"/>
-          </p:nvPr>
-        </p:nvSpPr>
-        <p:spPr/>
-        <p:txBody>
-          <a:bodyPr>
-            <a:normAutofit fontScale="92500" lnSpcReduction="20000"/>
-          </a:bodyPr>
-          <a:lstStyle/>
-          <a:p>
-            <a:endParaRPr lang="en-GB"/>
-          </a:p>
-        </p:txBody>
-      </p:sp>
       <p:pic>
         <p:nvPicPr>
-          <p:cNvPr id="8" name="Grafik 7">
-            <a:extLst>
-              <a:ext uri="{FF2B5EF4-FFF2-40B4-BE49-F238E27FC236}">
-                <a16:creationId xmlns:a16="http://schemas.microsoft.com/office/drawing/2014/main" id="{82B2C0A5-CC31-FC95-1571-62FB1EB6BB7D}"/>
+          <p:cNvPr id="3" name="Inhaltsplatzhalter 6">
+            <a:extLst>
+              <a:ext uri="{FF2B5EF4-FFF2-40B4-BE49-F238E27FC236}">
+                <a16:creationId xmlns:a16="http://schemas.microsoft.com/office/drawing/2014/main" id="{42589693-AE85-80CE-5031-8E17BB91698F}"/>
               </a:ext>
             </a:extLst>
           </p:cNvPr>
           <p:cNvPicPr>
-            <a:picLocks noChangeAspect="1"/>
+            <a:picLocks noGrp="1" noChangeAspect="1"/>
           </p:cNvPicPr>
-          <p:nvPr/>
+          <p:nvPr>
+            <p:ph sz="half" idx="1"/>
+          </p:nvPr>
         </p:nvPicPr>
         <p:blipFill>
           <a:blip r:embed="rId2"/>
@@ -4393,12 +4390,9 @@
         </p:blipFill>
         <p:spPr>
           <a:xfrm>
-            <a:off x="838200" y="1825624"/>
-            <a:ext cx="5181600" cy="3643635"/>
+            <a:off x="678992" y="2104067"/>
+            <a:ext cx="4744112" cy="3258005"/>
           </a:xfrm>
-          <a:prstGeom prst="rect">
-            <a:avLst/>
-          </a:prstGeom>
         </p:spPr>
       </p:pic>
     </p:spTree>

--- a/Task_3_1.pptx
+++ b/Task_3_1.pptx
@@ -414,7 +414,7 @@
           <a:p>
             <a:fld id="{5FE1CFB4-4EC3-4B46-8D35-E8CFDF4A4890}" type="slidenum">
               <a:rPr lang="de-DE" smtClean="0"/>
-              <a:t>‹Nr.›</a:t>
+              <a:t>‹#›</a:t>
             </a:fld>
             <a:endParaRPr lang="de-DE"/>
           </a:p>
@@ -612,7 +612,7 @@
           <a:p>
             <a:fld id="{5FE1CFB4-4EC3-4B46-8D35-E8CFDF4A4890}" type="slidenum">
               <a:rPr lang="de-DE" smtClean="0"/>
-              <a:t>‹Nr.›</a:t>
+              <a:t>‹#›</a:t>
             </a:fld>
             <a:endParaRPr lang="de-DE"/>
           </a:p>
@@ -820,7 +820,7 @@
           <a:p>
             <a:fld id="{5FE1CFB4-4EC3-4B46-8D35-E8CFDF4A4890}" type="slidenum">
               <a:rPr lang="de-DE" smtClean="0"/>
-              <a:t>‹Nr.›</a:t>
+              <a:t>‹#›</a:t>
             </a:fld>
             <a:endParaRPr lang="de-DE"/>
           </a:p>
@@ -1018,7 +1018,7 @@
           <a:p>
             <a:fld id="{5FE1CFB4-4EC3-4B46-8D35-E8CFDF4A4890}" type="slidenum">
               <a:rPr lang="de-DE" smtClean="0"/>
-              <a:t>‹Nr.›</a:t>
+              <a:t>‹#›</a:t>
             </a:fld>
             <a:endParaRPr lang="de-DE"/>
           </a:p>
@@ -1293,7 +1293,7 @@
           <a:p>
             <a:fld id="{5FE1CFB4-4EC3-4B46-8D35-E8CFDF4A4890}" type="slidenum">
               <a:rPr lang="de-DE" smtClean="0"/>
-              <a:t>‹Nr.›</a:t>
+              <a:t>‹#›</a:t>
             </a:fld>
             <a:endParaRPr lang="de-DE"/>
           </a:p>
@@ -1558,7 +1558,7 @@
           <a:p>
             <a:fld id="{5FE1CFB4-4EC3-4B46-8D35-E8CFDF4A4890}" type="slidenum">
               <a:rPr lang="de-DE" smtClean="0"/>
-              <a:t>‹Nr.›</a:t>
+              <a:t>‹#›</a:t>
             </a:fld>
             <a:endParaRPr lang="de-DE"/>
           </a:p>
@@ -1970,7 +1970,7 @@
           <a:p>
             <a:fld id="{5FE1CFB4-4EC3-4B46-8D35-E8CFDF4A4890}" type="slidenum">
               <a:rPr lang="de-DE" smtClean="0"/>
-              <a:t>‹Nr.›</a:t>
+              <a:t>‹#›</a:t>
             </a:fld>
             <a:endParaRPr lang="de-DE"/>
           </a:p>
@@ -2111,7 +2111,7 @@
           <a:p>
             <a:fld id="{5FE1CFB4-4EC3-4B46-8D35-E8CFDF4A4890}" type="slidenum">
               <a:rPr lang="de-DE" smtClean="0"/>
-              <a:t>‹Nr.›</a:t>
+              <a:t>‹#›</a:t>
             </a:fld>
             <a:endParaRPr lang="de-DE"/>
           </a:p>
@@ -2224,7 +2224,7 @@
           <a:p>
             <a:fld id="{5FE1CFB4-4EC3-4B46-8D35-E8CFDF4A4890}" type="slidenum">
               <a:rPr lang="de-DE" smtClean="0"/>
-              <a:t>‹Nr.›</a:t>
+              <a:t>‹#›</a:t>
             </a:fld>
             <a:endParaRPr lang="de-DE"/>
           </a:p>
@@ -2535,7 +2535,7 @@
           <a:p>
             <a:fld id="{5FE1CFB4-4EC3-4B46-8D35-E8CFDF4A4890}" type="slidenum">
               <a:rPr lang="de-DE" smtClean="0"/>
-              <a:t>‹Nr.›</a:t>
+              <a:t>‹#›</a:t>
             </a:fld>
             <a:endParaRPr lang="de-DE"/>
           </a:p>
@@ -2823,7 +2823,7 @@
           <a:p>
             <a:fld id="{5FE1CFB4-4EC3-4B46-8D35-E8CFDF4A4890}" type="slidenum">
               <a:rPr lang="de-DE" smtClean="0"/>
-              <a:t>‹Nr.›</a:t>
+              <a:t>‹#›</a:t>
             </a:fld>
             <a:endParaRPr lang="de-DE"/>
           </a:p>
@@ -3100,7 +3100,7 @@
           <a:p>
             <a:fld id="{5FE1CFB4-4EC3-4B46-8D35-E8CFDF4A4890}" type="slidenum">
               <a:rPr lang="de-DE" smtClean="0"/>
-              <a:t>‹Nr.›</a:t>
+              <a:t>‹#›</a:t>
             </a:fld>
             <a:endParaRPr lang="de-DE"/>
           </a:p>
@@ -4133,15 +4133,10 @@
             <p:ph sz="half" idx="2"/>
           </p:nvPr>
         </p:nvSpPr>
-        <p:spPr>
-          <a:xfrm>
-            <a:off x="5779008" y="1825625"/>
-            <a:ext cx="5574792" cy="4351338"/>
-          </a:xfrm>
-        </p:spPr>
+        <p:spPr/>
         <p:txBody>
           <a:bodyPr>
-            <a:normAutofit fontScale="77500" lnSpcReduction="20000"/>
+            <a:normAutofit fontScale="92500" lnSpcReduction="20000"/>
           </a:bodyPr>
           <a:lstStyle/>
           <a:p>
@@ -4160,7 +4155,7 @@
                 <a:latin typeface="Calibri" panose="020F0502020204030204" pitchFamily="34" charset="0"/>
                 <a:cs typeface="Arial" panose="020B0604020202020204" pitchFamily="34" charset="0"/>
               </a:rPr>
-              <a:t>Plot showing the effect the number of neighbours has on the F1-score, the other parameters of KNN were fixed in this experiment as they don’t really contribute to overfitting</a:t>
+              <a:t>Plot showing the effect the number of neighbours has on the precision score, the other parameters of KNN were fixed in this experiment</a:t>
             </a:r>
             <a:endParaRPr lang="en-GB" sz="1800" kern="100" dirty="0">
               <a:latin typeface="Calibri" panose="020F0502020204030204" pitchFamily="34" charset="0"/>
@@ -4184,7 +4179,7 @@
                 <a:latin typeface="Calibri" panose="020F0502020204030204" pitchFamily="34" charset="0"/>
                 <a:cs typeface="Arial" panose="020B0604020202020204" pitchFamily="34" charset="0"/>
               </a:rPr>
-              <a:t>For very low k (1,2) we observe a rather bad score</a:t>
+              <a:t>For k=1 we observe train-set score of </a:t>
             </a:r>
             <a:r>
               <a:rPr lang="en-GB" sz="1800" kern="100" dirty="0">
@@ -4193,24 +4188,7 @@
                 <a:ea typeface="Calibri" panose="020F0502020204030204" pitchFamily="34" charset="0"/>
                 <a:cs typeface="Arial" panose="020B0604020202020204" pitchFamily="34" charset="0"/>
               </a:rPr>
-              <a:t>, as the model doesn’t generalize </a:t>
-            </a:r>
-            <a:r>
-              <a:rPr lang="en-GB" sz="1800" kern="100" dirty="0">
-                <a:latin typeface="Calibri" panose="020F0502020204030204" pitchFamily="34" charset="0"/>
-                <a:ea typeface="Calibri" panose="020F0502020204030204" pitchFamily="34" charset="0"/>
-                <a:cs typeface="Arial" panose="020B0604020202020204" pitchFamily="34" charset="0"/>
-              </a:rPr>
-              <a:t>well</a:t>
-            </a:r>
-            <a:r>
-              <a:rPr lang="en-GB" sz="1800" kern="100" dirty="0">
-                <a:effectLst/>
-                <a:latin typeface="Calibri" panose="020F0502020204030204" pitchFamily="34" charset="0"/>
-                <a:ea typeface="Calibri" panose="020F0502020204030204" pitchFamily="34" charset="0"/>
-                <a:cs typeface="Arial" panose="020B0604020202020204" pitchFamily="34" charset="0"/>
-              </a:rPr>
-              <a:t>(=overfitting)</a:t>
+              <a:t>1, meaning no mistakes, but the worst test-set score as the model doesn’t generalizes (=overfitting)</a:t>
             </a:r>
             <a:endParaRPr lang="en-GB" sz="1800" kern="100" dirty="0">
               <a:latin typeface="Calibri" panose="020F0502020204030204" pitchFamily="34" charset="0"/>
@@ -4236,7 +4214,7 @@
                 <a:ea typeface="Calibri" panose="020F0502020204030204" pitchFamily="34" charset="0"/>
                 <a:cs typeface="Arial" panose="020B0604020202020204" pitchFamily="34" charset="0"/>
               </a:rPr>
-              <a:t>For growing k up to about 5-8, we observe a increase of test-score, meaning that the model generalizes better</a:t>
+              <a:t>For growing k up to about 12 , we observe a decrease of train score and increase of test-score</a:t>
             </a:r>
             <a:endParaRPr lang="en-GB" sz="1800" kern="100" dirty="0">
               <a:latin typeface="Calibri" panose="020F0502020204030204" pitchFamily="34" charset="0"/>
@@ -4261,7 +4239,7 @@
                 <a:ea typeface="Calibri" panose="020F0502020204030204" pitchFamily="34" charset="0"/>
                 <a:cs typeface="Arial" panose="020B0604020202020204" pitchFamily="34" charset="0"/>
               </a:rPr>
-              <a:t>For larger k, test-score is going down, due to the fact that the model generalizes to strongly and can’t model smaller differences (=underfitting)</a:t>
+              <a:t>For larger k, both the train- and test-score go down, (the test-set only slightly) due to the fact that the model generalizes to strong and can’t model smaller differences (=underfitting)</a:t>
             </a:r>
           </a:p>
           <a:p>
@@ -4281,7 +4259,7 @@
                 <a:ea typeface="Calibri" panose="020F0502020204030204" pitchFamily="34" charset="0"/>
                 <a:cs typeface="Arial" panose="020B0604020202020204" pitchFamily="34" charset="0"/>
               </a:rPr>
-              <a:t>The reason for the train-score always being one in this plot is the parameter ‘weights’ which was set to distance for this experiment. With this setting the points are weighted by their distance to the point to classify and as we classify also training samples here we always have a point that is ‘infinitely’ close, which results in a high weight for this sample and so the classification nearly only depends on this, resulting in a perfect classification</a:t>
+              <a:t>From this plot we would expect to get the best performance for a number of k of around 10-15</a:t>
             </a:r>
           </a:p>
           <a:p>
@@ -4366,21 +4344,46 @@
           </a:p>
         </p:txBody>
       </p:sp>
+      <p:sp>
+        <p:nvSpPr>
+          <p:cNvPr id="6" name="Inhaltsplatzhalter 5">
+            <a:extLst>
+              <a:ext uri="{FF2B5EF4-FFF2-40B4-BE49-F238E27FC236}">
+                <a16:creationId xmlns:a16="http://schemas.microsoft.com/office/drawing/2014/main" id="{12FA3298-4917-2859-0A4B-5B1AA9871EFF}"/>
+              </a:ext>
+            </a:extLst>
+          </p:cNvPr>
+          <p:cNvSpPr>
+            <a:spLocks noGrp="1"/>
+          </p:cNvSpPr>
+          <p:nvPr>
+            <p:ph sz="half" idx="1"/>
+          </p:nvPr>
+        </p:nvSpPr>
+        <p:spPr/>
+        <p:txBody>
+          <a:bodyPr>
+            <a:normAutofit fontScale="92500" lnSpcReduction="20000"/>
+          </a:bodyPr>
+          <a:lstStyle/>
+          <a:p>
+            <a:endParaRPr lang="en-GB"/>
+          </a:p>
+        </p:txBody>
+      </p:sp>
       <p:pic>
         <p:nvPicPr>
-          <p:cNvPr id="3" name="Inhaltsplatzhalter 6">
-            <a:extLst>
-              <a:ext uri="{FF2B5EF4-FFF2-40B4-BE49-F238E27FC236}">
-                <a16:creationId xmlns:a16="http://schemas.microsoft.com/office/drawing/2014/main" id="{42589693-AE85-80CE-5031-8E17BB91698F}"/>
+          <p:cNvPr id="8" name="Grafik 7">
+            <a:extLst>
+              <a:ext uri="{FF2B5EF4-FFF2-40B4-BE49-F238E27FC236}">
+                <a16:creationId xmlns:a16="http://schemas.microsoft.com/office/drawing/2014/main" id="{82B2C0A5-CC31-FC95-1571-62FB1EB6BB7D}"/>
               </a:ext>
             </a:extLst>
           </p:cNvPr>
           <p:cNvPicPr>
-            <a:picLocks noGrp="1" noChangeAspect="1"/>
+            <a:picLocks noChangeAspect="1"/>
           </p:cNvPicPr>
-          <p:nvPr>
-            <p:ph sz="half" idx="1"/>
-          </p:nvPr>
+          <p:nvPr/>
         </p:nvPicPr>
         <p:blipFill>
           <a:blip r:embed="rId2"/>
@@ -4390,9 +4393,12 @@
         </p:blipFill>
         <p:spPr>
           <a:xfrm>
-            <a:off x="678992" y="2104067"/>
-            <a:ext cx="4744112" cy="3258005"/>
+            <a:off x="838200" y="1825624"/>
+            <a:ext cx="5181600" cy="3643635"/>
           </a:xfrm>
+          <a:prstGeom prst="rect">
+            <a:avLst/>
+          </a:prstGeom>
         </p:spPr>
       </p:pic>
     </p:spTree>
@@ -5032,7 +5038,7 @@
         </p:nvSpPr>
         <p:spPr>
           <a:xfrm>
-            <a:off x="838200" y="2495579"/>
+            <a:off x="838200" y="1982830"/>
             <a:ext cx="5257800" cy="3997296"/>
           </a:xfrm>
         </p:spPr>
@@ -5176,7 +5182,7 @@
         </p:nvSpPr>
         <p:spPr>
           <a:xfrm>
-            <a:off x="6096000" y="2495579"/>
+            <a:off x="6096000" y="1982830"/>
             <a:ext cx="5257800" cy="3997296"/>
           </a:xfrm>
           <a:prstGeom prst="rect">
@@ -5514,149 +5520,6 @@
           </a:p>
         </p:txBody>
       </p:sp>
-      <p:sp>
-        <p:nvSpPr>
-          <p:cNvPr id="8" name="Title 1">
-            <a:extLst>
-              <a:ext uri="{FF2B5EF4-FFF2-40B4-BE49-F238E27FC236}">
-                <a16:creationId xmlns:a16="http://schemas.microsoft.com/office/drawing/2014/main" id="{25C43D95-209B-F20D-4F1C-1089609B3D33}"/>
-              </a:ext>
-            </a:extLst>
-          </p:cNvPr>
-          <p:cNvSpPr txBox="1">
-            <a:spLocks/>
-          </p:cNvSpPr>
-          <p:nvPr/>
-        </p:nvSpPr>
-        <p:spPr>
-          <a:xfrm>
-            <a:off x="838200" y="1656710"/>
-            <a:ext cx="10515600" cy="753409"/>
-          </a:xfrm>
-          <a:prstGeom prst="rect">
-            <a:avLst/>
-          </a:prstGeom>
-        </p:spPr>
-        <p:txBody>
-          <a:bodyPr vert="horz" lIns="91440" tIns="45720" rIns="91440" bIns="45720" rtlCol="0" anchor="ctr">
-            <a:normAutofit/>
-          </a:bodyPr>
-          <a:lstStyle>
-            <a:lvl1pPr algn="l" defTabSz="914400" rtl="0" eaLnBrk="1" latinLnBrk="0" hangingPunct="1">
-              <a:lnSpc>
-                <a:spcPct val="90000"/>
-              </a:lnSpc>
-              <a:spcBef>
-                <a:spcPct val="0"/>
-              </a:spcBef>
-              <a:buNone/>
-              <a:defRPr sz="4400" kern="1200">
-                <a:solidFill>
-                  <a:schemeClr val="tx1"/>
-                </a:solidFill>
-                <a:latin typeface="+mj-lt"/>
-                <a:ea typeface="+mj-ea"/>
-                <a:cs typeface="+mj-cs"/>
-              </a:defRPr>
-            </a:lvl1pPr>
-          </a:lstStyle>
-          <a:p>
-            <a:r>
-              <a:rPr lang="en-GB" sz="2200" dirty="0">
-                <a:latin typeface="+mn-lt"/>
-                <a:ea typeface="+mn-ea"/>
-                <a:cs typeface="+mn-cs"/>
-              </a:rPr>
-              <a:t>Parameter search for “</a:t>
-            </a:r>
-            <a:r>
-              <a:rPr lang="en-GB" sz="2200" dirty="0" err="1">
-                <a:latin typeface="+mn-lt"/>
-                <a:ea typeface="+mn-ea"/>
-                <a:cs typeface="+mn-cs"/>
-              </a:rPr>
-              <a:t>n_estimators</a:t>
-            </a:r>
-            <a:r>
-              <a:rPr lang="en-GB" sz="2200" dirty="0">
-                <a:latin typeface="+mn-lt"/>
-                <a:ea typeface="+mn-ea"/>
-                <a:cs typeface="+mn-cs"/>
-              </a:rPr>
-              <a:t>”, “criterion”, “</a:t>
-            </a:r>
-            <a:r>
-              <a:rPr lang="en-GB" sz="2200" dirty="0" err="1">
-                <a:latin typeface="+mn-lt"/>
-                <a:ea typeface="+mn-ea"/>
-                <a:cs typeface="+mn-cs"/>
-              </a:rPr>
-              <a:t>max_features</a:t>
-            </a:r>
-            <a:r>
-              <a:rPr lang="en-GB" sz="2200" dirty="0">
-                <a:latin typeface="+mn-lt"/>
-                <a:ea typeface="+mn-ea"/>
-                <a:cs typeface="+mn-cs"/>
-              </a:rPr>
-              <a:t>”, “</a:t>
-            </a:r>
-            <a:r>
-              <a:rPr lang="en-GB" sz="2200" dirty="0" err="1">
-                <a:latin typeface="+mn-lt"/>
-                <a:ea typeface="+mn-ea"/>
-                <a:cs typeface="+mn-cs"/>
-              </a:rPr>
-              <a:t>max_depth</a:t>
-            </a:r>
-            <a:r>
-              <a:rPr lang="en-GB" sz="2200" dirty="0">
-                <a:latin typeface="+mn-lt"/>
-                <a:ea typeface="+mn-ea"/>
-                <a:cs typeface="+mn-cs"/>
-              </a:rPr>
-              <a:t>”, “</a:t>
-            </a:r>
-            <a:r>
-              <a:rPr lang="en-GB" sz="2200" dirty="0" err="1">
-                <a:latin typeface="+mn-lt"/>
-                <a:ea typeface="+mn-ea"/>
-                <a:cs typeface="+mn-cs"/>
-              </a:rPr>
-              <a:t>min_samples_split</a:t>
-            </a:r>
-            <a:r>
-              <a:rPr lang="en-GB" sz="2200" dirty="0">
-                <a:latin typeface="+mn-lt"/>
-                <a:ea typeface="+mn-ea"/>
-                <a:cs typeface="+mn-cs"/>
-              </a:rPr>
-              <a:t>”, “</a:t>
-            </a:r>
-            <a:r>
-              <a:rPr lang="en-GB" sz="2200" dirty="0" err="1">
-                <a:latin typeface="+mn-lt"/>
-                <a:ea typeface="+mn-ea"/>
-                <a:cs typeface="+mn-cs"/>
-              </a:rPr>
-              <a:t>min_samples_leaf</a:t>
-            </a:r>
-            <a:r>
-              <a:rPr lang="en-GB" sz="2200" dirty="0">
-                <a:latin typeface="+mn-lt"/>
-                <a:ea typeface="+mn-ea"/>
-                <a:cs typeface="+mn-cs"/>
-              </a:rPr>
-              <a:t>” and “bootstrap”</a:t>
-            </a:r>
-            <a:endParaRPr lang="de-DE" sz="2200" dirty="0">
-              <a:latin typeface="+mn-lt"/>
-              <a:ea typeface="+mn-ea"/>
-              <a:cs typeface="+mn-cs"/>
-            </a:endParaRPr>
-          </a:p>
-        </p:txBody>
-      </p:sp>
     </p:spTree>
     <p:extLst>
       <p:ext uri="{BB962C8B-B14F-4D97-AF65-F5344CB8AC3E}">
@@ -5733,7 +5596,9 @@
         </p:nvSpPr>
         <p:spPr/>
         <p:txBody>
-          <a:bodyPr/>
+          <a:bodyPr>
+            <a:normAutofit fontScale="77500" lnSpcReduction="20000"/>
+          </a:bodyPr>
           <a:lstStyle/>
           <a:p>
             <a:r>
@@ -5776,6 +5641,30 @@
               <a:rPr lang="de-DE" dirty="0"/>
               <a:t> 'bootstrap': False</a:t>
             </a:r>
+          </a:p>
+          <a:p>
+            <a:endParaRPr lang="de-DE" dirty="0"/>
+          </a:p>
+          <a:p>
+            <a:endParaRPr lang="de-DE" dirty="0"/>
+          </a:p>
+          <a:p>
+            <a:pPr marL="0" indent="0">
+              <a:buNone/>
+            </a:pPr>
+            <a:r>
+              <a:rPr lang="de-DE" dirty="0"/>
+              <a:t>A classifier with higher number of estimators might perform even better but in order to keep training-time decent we did not consider more than 400 for now</a:t>
+            </a:r>
+          </a:p>
+          <a:p>
+            <a:endParaRPr lang="de-DE" dirty="0"/>
+          </a:p>
+          <a:p>
+            <a:endParaRPr lang="de-DE" dirty="0"/>
+          </a:p>
+          <a:p>
+            <a:endParaRPr lang="de-DE" dirty="0"/>
           </a:p>
           <a:p>
             <a:endParaRPr lang="de-DE" dirty="0"/>
@@ -6632,9 +6521,6 @@
               <a:rPr lang="en-GB" sz="2000" dirty="0"/>
               <a:t>For this scoring function we used mutual information, which describes the amount of information one gets about on variable (in our case the labels) when observing the other (in our case features)</a:t>
             </a:r>
-          </a:p>
-          <a:p>
-            <a:endParaRPr lang="en-GB" sz="2000" dirty="0"/>
           </a:p>
           <a:p>
             <a:r>

--- a/Task_3_1.pptx
+++ b/Task_3_1.pptx
@@ -6275,7 +6275,7 @@
         </p:blipFill>
         <p:spPr>
           <a:xfrm>
-            <a:off x="6538355" y="1773816"/>
+            <a:off x="6538355" y="2056374"/>
             <a:ext cx="5556368" cy="2857561"/>
           </a:xfrm>
         </p:spPr>
@@ -6298,7 +6298,7 @@
         </p:nvSpPr>
         <p:spPr>
           <a:xfrm>
-            <a:off x="676893" y="1690688"/>
+            <a:off x="845643" y="1690688"/>
             <a:ext cx="5628903" cy="4351338"/>
           </a:xfrm>
         </p:spPr>
@@ -6310,7 +6310,7 @@
           <a:p>
             <a:r>
               <a:rPr lang="en-GB" sz="6000" dirty="0"/>
-              <a:t>our dataset is heavily unbalanced (many more fragments where no bird is present) -&gt; we used the „</a:t>
+              <a:t>Our dataset is heavily unbalanced (many more fragments where no bird is present) -&gt; we used the „</a:t>
             </a:r>
             <a:r>
               <a:rPr lang="en-GB" sz="6000" dirty="0" err="1"/>
@@ -6448,7 +6448,7 @@
             </a:r>
             <a:r>
               <a:rPr lang="en-GB" dirty="0" err="1"/>
-              <a:t>preprocessing</a:t>
+              <a:t>Preprocessing</a:t>
             </a:r>
             <a:r>
               <a:rPr lang="en-GB" dirty="0"/>
@@ -6519,13 +6519,29 @@
           <a:p>
             <a:r>
               <a:rPr lang="en-GB" sz="2000" dirty="0"/>
-              <a:t>For this scoring function we used mutual information, which describes the amount of information one gets about on variable (in our case the labels) when observing the other (in our case features)</a:t>
+              <a:t>For this scoring function we used mutual information, which describes the amount of information one gets about one variable (in our case the labels) when observing the other (in our case features)</a:t>
             </a:r>
           </a:p>
           <a:p>
             <a:r>
               <a:rPr lang="en-GB" sz="2000" dirty="0"/>
-              <a:t>We normalized all features to mean zero, standard deviation one as for some algorithms (e.g. KNN) we need normalized input</a:t>
+              <a:t>We used the </a:t>
+            </a:r>
+            <a:r>
+              <a:rPr lang="en-GB" sz="2000" dirty="0" err="1"/>
+              <a:t>Sklearn</a:t>
+            </a:r>
+            <a:r>
+              <a:rPr lang="en-GB" sz="2000" dirty="0"/>
+              <a:t> </a:t>
+            </a:r>
+            <a:r>
+              <a:rPr lang="en-GB" sz="2000" dirty="0" err="1"/>
+              <a:t>StandardScaler</a:t>
+            </a:r>
+            <a:r>
+              <a:rPr lang="en-GB" sz="2000" dirty="0"/>
+              <a:t> to normalize all features to mean zero and variance one as for some algorithms (e.g. KNN) we need normalized input</a:t>
             </a:r>
           </a:p>
         </p:txBody>

--- a/Task_3_1.pptx
+++ b/Task_3_1.pptx
@@ -414,7 +414,7 @@
           <a:p>
             <a:fld id="{5FE1CFB4-4EC3-4B46-8D35-E8CFDF4A4890}" type="slidenum">
               <a:rPr lang="de-DE" smtClean="0"/>
-              <a:t>‹#›</a:t>
+              <a:t>‹Nr.›</a:t>
             </a:fld>
             <a:endParaRPr lang="de-DE"/>
           </a:p>
@@ -612,7 +612,7 @@
           <a:p>
             <a:fld id="{5FE1CFB4-4EC3-4B46-8D35-E8CFDF4A4890}" type="slidenum">
               <a:rPr lang="de-DE" smtClean="0"/>
-              <a:t>‹#›</a:t>
+              <a:t>‹Nr.›</a:t>
             </a:fld>
             <a:endParaRPr lang="de-DE"/>
           </a:p>
@@ -820,7 +820,7 @@
           <a:p>
             <a:fld id="{5FE1CFB4-4EC3-4B46-8D35-E8CFDF4A4890}" type="slidenum">
               <a:rPr lang="de-DE" smtClean="0"/>
-              <a:t>‹#›</a:t>
+              <a:t>‹Nr.›</a:t>
             </a:fld>
             <a:endParaRPr lang="de-DE"/>
           </a:p>
@@ -1018,7 +1018,7 @@
           <a:p>
             <a:fld id="{5FE1CFB4-4EC3-4B46-8D35-E8CFDF4A4890}" type="slidenum">
               <a:rPr lang="de-DE" smtClean="0"/>
-              <a:t>‹#›</a:t>
+              <a:t>‹Nr.›</a:t>
             </a:fld>
             <a:endParaRPr lang="de-DE"/>
           </a:p>
@@ -1293,7 +1293,7 @@
           <a:p>
             <a:fld id="{5FE1CFB4-4EC3-4B46-8D35-E8CFDF4A4890}" type="slidenum">
               <a:rPr lang="de-DE" smtClean="0"/>
-              <a:t>‹#›</a:t>
+              <a:t>‹Nr.›</a:t>
             </a:fld>
             <a:endParaRPr lang="de-DE"/>
           </a:p>
@@ -1558,7 +1558,7 @@
           <a:p>
             <a:fld id="{5FE1CFB4-4EC3-4B46-8D35-E8CFDF4A4890}" type="slidenum">
               <a:rPr lang="de-DE" smtClean="0"/>
-              <a:t>‹#›</a:t>
+              <a:t>‹Nr.›</a:t>
             </a:fld>
             <a:endParaRPr lang="de-DE"/>
           </a:p>
@@ -1970,7 +1970,7 @@
           <a:p>
             <a:fld id="{5FE1CFB4-4EC3-4B46-8D35-E8CFDF4A4890}" type="slidenum">
               <a:rPr lang="de-DE" smtClean="0"/>
-              <a:t>‹#›</a:t>
+              <a:t>‹Nr.›</a:t>
             </a:fld>
             <a:endParaRPr lang="de-DE"/>
           </a:p>
@@ -2111,7 +2111,7 @@
           <a:p>
             <a:fld id="{5FE1CFB4-4EC3-4B46-8D35-E8CFDF4A4890}" type="slidenum">
               <a:rPr lang="de-DE" smtClean="0"/>
-              <a:t>‹#›</a:t>
+              <a:t>‹Nr.›</a:t>
             </a:fld>
             <a:endParaRPr lang="de-DE"/>
           </a:p>
@@ -2224,7 +2224,7 @@
           <a:p>
             <a:fld id="{5FE1CFB4-4EC3-4B46-8D35-E8CFDF4A4890}" type="slidenum">
               <a:rPr lang="de-DE" smtClean="0"/>
-              <a:t>‹#›</a:t>
+              <a:t>‹Nr.›</a:t>
             </a:fld>
             <a:endParaRPr lang="de-DE"/>
           </a:p>
@@ -2535,7 +2535,7 @@
           <a:p>
             <a:fld id="{5FE1CFB4-4EC3-4B46-8D35-E8CFDF4A4890}" type="slidenum">
               <a:rPr lang="de-DE" smtClean="0"/>
-              <a:t>‹#›</a:t>
+              <a:t>‹Nr.›</a:t>
             </a:fld>
             <a:endParaRPr lang="de-DE"/>
           </a:p>
@@ -2823,7 +2823,7 @@
           <a:p>
             <a:fld id="{5FE1CFB4-4EC3-4B46-8D35-E8CFDF4A4890}" type="slidenum">
               <a:rPr lang="de-DE" smtClean="0"/>
-              <a:t>‹#›</a:t>
+              <a:t>‹Nr.›</a:t>
             </a:fld>
             <a:endParaRPr lang="de-DE"/>
           </a:p>
@@ -3100,7 +3100,7 @@
           <a:p>
             <a:fld id="{5FE1CFB4-4EC3-4B46-8D35-E8CFDF4A4890}" type="slidenum">
               <a:rPr lang="de-DE" smtClean="0"/>
-              <a:t>‹#›</a:t>
+              <a:t>‹Nr.›</a:t>
             </a:fld>
             <a:endParaRPr lang="de-DE"/>
           </a:p>
@@ -4133,10 +4133,15 @@
             <p:ph sz="half" idx="2"/>
           </p:nvPr>
         </p:nvSpPr>
-        <p:spPr/>
+        <p:spPr>
+          <a:xfrm>
+            <a:off x="5669280" y="1825625"/>
+            <a:ext cx="5684520" cy="4351338"/>
+          </a:xfrm>
+        </p:spPr>
         <p:txBody>
           <a:bodyPr>
-            <a:normAutofit fontScale="92500" lnSpcReduction="20000"/>
+            <a:normAutofit fontScale="77500" lnSpcReduction="20000"/>
           </a:bodyPr>
           <a:lstStyle/>
           <a:p>
@@ -4155,7 +4160,7 @@
                 <a:latin typeface="Calibri" panose="020F0502020204030204" pitchFamily="34" charset="0"/>
                 <a:cs typeface="Arial" panose="020B0604020202020204" pitchFamily="34" charset="0"/>
               </a:rPr>
-              <a:t>Plot showing the effect the number of neighbours has on the precision score, the other parameters of KNN were fixed in this experiment</a:t>
+              <a:t>Plot showing the effect the number of neighbours has on the F1-score, the other parameters of KNN were fixed in this experiment as they don’t really contribute to overfitting</a:t>
             </a:r>
             <a:endParaRPr lang="en-GB" sz="1800" kern="100" dirty="0">
               <a:latin typeface="Calibri" panose="020F0502020204030204" pitchFamily="34" charset="0"/>
@@ -4179,7 +4184,7 @@
                 <a:latin typeface="Calibri" panose="020F0502020204030204" pitchFamily="34" charset="0"/>
                 <a:cs typeface="Arial" panose="020B0604020202020204" pitchFamily="34" charset="0"/>
               </a:rPr>
-              <a:t>For k=1 we observe train-set score of </a:t>
+              <a:t>For very low k (1,2) we observe a rather bad score</a:t>
             </a:r>
             <a:r>
               <a:rPr lang="en-GB" sz="1800" kern="100" dirty="0">
@@ -4188,7 +4193,24 @@
                 <a:ea typeface="Calibri" panose="020F0502020204030204" pitchFamily="34" charset="0"/>
                 <a:cs typeface="Arial" panose="020B0604020202020204" pitchFamily="34" charset="0"/>
               </a:rPr>
-              <a:t>1, meaning no mistakes, but the worst test-set score as the model doesn’t generalizes (=overfitting)</a:t>
+              <a:t>, as the model doesn’t generalize </a:t>
+            </a:r>
+            <a:r>
+              <a:rPr lang="en-GB" sz="1800" kern="100" dirty="0">
+                <a:latin typeface="Calibri" panose="020F0502020204030204" pitchFamily="34" charset="0"/>
+                <a:ea typeface="Calibri" panose="020F0502020204030204" pitchFamily="34" charset="0"/>
+                <a:cs typeface="Arial" panose="020B0604020202020204" pitchFamily="34" charset="0"/>
+              </a:rPr>
+              <a:t>well</a:t>
+            </a:r>
+            <a:r>
+              <a:rPr lang="en-GB" sz="1800" kern="100" dirty="0">
+                <a:effectLst/>
+                <a:latin typeface="Calibri" panose="020F0502020204030204" pitchFamily="34" charset="0"/>
+                <a:ea typeface="Calibri" panose="020F0502020204030204" pitchFamily="34" charset="0"/>
+                <a:cs typeface="Arial" panose="020B0604020202020204" pitchFamily="34" charset="0"/>
+              </a:rPr>
+              <a:t>(=overfitting)</a:t>
             </a:r>
             <a:endParaRPr lang="en-GB" sz="1800" kern="100" dirty="0">
               <a:latin typeface="Calibri" panose="020F0502020204030204" pitchFamily="34" charset="0"/>
@@ -4214,7 +4236,7 @@
                 <a:ea typeface="Calibri" panose="020F0502020204030204" pitchFamily="34" charset="0"/>
                 <a:cs typeface="Arial" panose="020B0604020202020204" pitchFamily="34" charset="0"/>
               </a:rPr>
-              <a:t>For growing k up to about 12 , we observe a decrease of train score and increase of test-score</a:t>
+              <a:t>For growing k up to about 5-8, we observe a increase of test-score, meaning that the model generalizes better</a:t>
             </a:r>
             <a:endParaRPr lang="en-GB" sz="1800" kern="100" dirty="0">
               <a:latin typeface="Calibri" panose="020F0502020204030204" pitchFamily="34" charset="0"/>
@@ -4239,7 +4261,7 @@
                 <a:ea typeface="Calibri" panose="020F0502020204030204" pitchFamily="34" charset="0"/>
                 <a:cs typeface="Arial" panose="020B0604020202020204" pitchFamily="34" charset="0"/>
               </a:rPr>
-              <a:t>For larger k, both the train- and test-score go down, (the test-set only slightly) due to the fact that the model generalizes to strong and can’t model smaller differences (=underfitting)</a:t>
+              <a:t>For larger k, test-score is going down, due to the fact that the model generalizes to strongly and can’t model smaller differences (=underfitting)</a:t>
             </a:r>
           </a:p>
           <a:p>
@@ -4259,19 +4281,18 @@
                 <a:ea typeface="Calibri" panose="020F0502020204030204" pitchFamily="34" charset="0"/>
                 <a:cs typeface="Arial" panose="020B0604020202020204" pitchFamily="34" charset="0"/>
               </a:rPr>
-              <a:t>From this plot we would expect to get the best performance for a number of k of around 10-15</a:t>
-            </a:r>
-          </a:p>
-          <a:p>
-            <a:pPr marL="342900" indent="-342900">
+              <a:t>The reason for the train-score always being one in this plot is the parameter ‘weights’ which was set to distance for this experiment. With this setting the points are weighted by their distance to the point to classify and as we classify also training samples here we always have a point that is ‘infinitely’ close, which results in a high weight for this sample and so the classification nearly only depends on this, resulting in a perfect classification</a:t>
+            </a:r>
+          </a:p>
+          <a:p>
+            <a:pPr marL="0" indent="0">
               <a:lnSpc>
                 <a:spcPct val="107000"/>
               </a:lnSpc>
               <a:spcAft>
                 <a:spcPts val="800"/>
               </a:spcAft>
-              <a:buFont typeface="Symbol" panose="05050102010706020507" pitchFamily="18" charset="2"/>
-              <a:buChar char=""/>
+              <a:buNone/>
             </a:pPr>
             <a:endParaRPr lang="en-GB" sz="1800" kern="100" dirty="0">
               <a:latin typeface="Calibri" panose="020F0502020204030204" pitchFamily="34" charset="0"/>
@@ -4344,46 +4365,21 @@
           </a:p>
         </p:txBody>
       </p:sp>
-      <p:sp>
-        <p:nvSpPr>
-          <p:cNvPr id="6" name="Inhaltsplatzhalter 5">
-            <a:extLst>
-              <a:ext uri="{FF2B5EF4-FFF2-40B4-BE49-F238E27FC236}">
-                <a16:creationId xmlns:a16="http://schemas.microsoft.com/office/drawing/2014/main" id="{12FA3298-4917-2859-0A4B-5B1AA9871EFF}"/>
-              </a:ext>
-            </a:extLst>
-          </p:cNvPr>
-          <p:cNvSpPr>
-            <a:spLocks noGrp="1"/>
-          </p:cNvSpPr>
-          <p:nvPr>
-            <p:ph sz="half" idx="1"/>
-          </p:nvPr>
-        </p:nvSpPr>
-        <p:spPr/>
-        <p:txBody>
-          <a:bodyPr>
-            <a:normAutofit fontScale="92500" lnSpcReduction="20000"/>
-          </a:bodyPr>
-          <a:lstStyle/>
-          <a:p>
-            <a:endParaRPr lang="en-GB"/>
-          </a:p>
-        </p:txBody>
-      </p:sp>
       <p:pic>
         <p:nvPicPr>
-          <p:cNvPr id="8" name="Grafik 7">
-            <a:extLst>
-              <a:ext uri="{FF2B5EF4-FFF2-40B4-BE49-F238E27FC236}">
-                <a16:creationId xmlns:a16="http://schemas.microsoft.com/office/drawing/2014/main" id="{82B2C0A5-CC31-FC95-1571-62FB1EB6BB7D}"/>
+          <p:cNvPr id="5" name="Inhaltsplatzhalter 6">
+            <a:extLst>
+              <a:ext uri="{FF2B5EF4-FFF2-40B4-BE49-F238E27FC236}">
+                <a16:creationId xmlns:a16="http://schemas.microsoft.com/office/drawing/2014/main" id="{D226BB3A-3D16-771B-9A92-8791FE485842}"/>
               </a:ext>
             </a:extLst>
           </p:cNvPr>
           <p:cNvPicPr>
-            <a:picLocks noChangeAspect="1"/>
+            <a:picLocks noGrp="1" noChangeAspect="1"/>
           </p:cNvPicPr>
-          <p:nvPr/>
+          <p:nvPr>
+            <p:ph sz="half" idx="1"/>
+          </p:nvPr>
         </p:nvPicPr>
         <p:blipFill>
           <a:blip r:embed="rId2"/>
@@ -4393,12 +4389,9 @@
         </p:blipFill>
         <p:spPr>
           <a:xfrm>
-            <a:off x="838200" y="1825624"/>
-            <a:ext cx="5181600" cy="3643635"/>
+            <a:off x="460248" y="2372291"/>
+            <a:ext cx="4744112" cy="3258005"/>
           </a:xfrm>
-          <a:prstGeom prst="rect">
-            <a:avLst/>
-          </a:prstGeom>
         </p:spPr>
       </p:pic>
     </p:spTree>
